--- a/Az Android.pptx
+++ b/Az Android.pptx
@@ -7,6 +7,10 @@
   <p:sldIdLst>
     <p:sldId id="256" r:id="rId2"/>
     <p:sldId id="257" r:id="rId3"/>
+    <p:sldId id="258" r:id="rId4"/>
+    <p:sldId id="259" r:id="rId5"/>
+    <p:sldId id="260" r:id="rId6"/>
+    <p:sldId id="261" r:id="rId7"/>
   </p:sldIdLst>
   <p:sldSz cx="12192000" cy="6858000"/>
   <p:notesSz cx="6858000" cy="9144000"/>
@@ -5783,7 +5787,7 @@
           <a:spcPct val="0"/>
         </a:spcBef>
         <a:buNone/>
-        <a:defRPr sz="4200" b="0" i="0" kern="1200">
+        <a:defRPr sz="4400" b="0" i="0" kern="1200">
           <a:solidFill>
             <a:schemeClr val="tx2"/>
           </a:solidFill>
@@ -5866,7 +5870,7 @@
         <a:buSzPct val="80000"/>
         <a:buFont typeface="Wingdings 3" charset="2"/>
         <a:buChar char=""/>
-        <a:defRPr sz="2000" b="0" i="0" kern="1200">
+        <a:defRPr sz="2800" b="0" i="0" kern="1200">
           <a:solidFill>
             <a:schemeClr val="tx1"/>
           </a:solidFill>
@@ -6355,7 +6359,7 @@
           <a:lstStyle/>
           <a:p>
             <a:r>
-              <a:rPr lang="hu-HU" sz="4400" smtClean="0"/>
+              <a:rPr lang="hu-HU" sz="4400" dirty="0" smtClean="0"/>
               <a:t>Alapok</a:t>
             </a:r>
             <a:endParaRPr lang="hu-HU" sz="4400" dirty="0"/>
@@ -6376,6 +6380,65 @@
         <p:txBody>
           <a:bodyPr/>
           <a:lstStyle/>
+          <a:p>
+            <a:r>
+              <a:rPr lang="hu-HU" dirty="0" smtClean="0"/>
+              <a:t>Linux kernelt használ</a:t>
+            </a:r>
+          </a:p>
+          <a:p>
+            <a:r>
+              <a:rPr lang="hu-HU" dirty="0" smtClean="0"/>
+              <a:t>Mobil eszközökön használható</a:t>
+            </a:r>
+          </a:p>
+          <a:p>
+            <a:r>
+              <a:rPr lang="hu-HU" dirty="0"/>
+              <a:t>A fejlesztők </a:t>
+            </a:r>
+            <a:r>
+              <a:rPr lang="hu-HU" dirty="0" smtClean="0"/>
+              <a:t>Java</a:t>
+            </a:r>
+            <a:r>
+              <a:rPr lang="hu-HU" dirty="0"/>
+              <a:t> nyelven írhatnak </a:t>
+            </a:r>
+            <a:r>
+              <a:rPr lang="hu-HU" dirty="0" smtClean="0"/>
+              <a:t>rá</a:t>
+            </a:r>
+          </a:p>
+          <a:p>
+            <a:r>
+              <a:rPr lang="hu-HU" dirty="0" smtClean="0"/>
+              <a:t>Google alkalmazások alapok</a:t>
+            </a:r>
+          </a:p>
+          <a:p>
+            <a:r>
+              <a:rPr lang="hu-HU" dirty="0" smtClean="0"/>
+              <a:t>Rendszerrel </a:t>
+            </a:r>
+            <a:r>
+              <a:rPr lang="hu-HU" dirty="0"/>
+              <a:t>ö</a:t>
+            </a:r>
+            <a:r>
+              <a:rPr lang="hu-HU" dirty="0" smtClean="0"/>
+              <a:t>sszekapcsolt fiókok</a:t>
+            </a:r>
+          </a:p>
+          <a:p>
+            <a:r>
+              <a:rPr lang="hu-HU" dirty="0" smtClean="0"/>
+              <a:t>Nyílt forrású OS</a:t>
+            </a:r>
+          </a:p>
+          <a:p>
+            <a:endParaRPr lang="hu-HU" dirty="0" smtClean="0"/>
+          </a:p>
           <a:p>
             <a:endParaRPr lang="hu-HU" dirty="0"/>
           </a:p>
@@ -6398,6 +6461,399 @@
       </p:par>
     </p:tnLst>
   </p:timing>
+</p:sld>
+</file>
+
+<file path=ppt/slides/slide3.xml><?xml version="1.0" encoding="utf-8"?>
+<p:sld xmlns:a="http://schemas.openxmlformats.org/drawingml/2006/main" xmlns:r="http://schemas.openxmlformats.org/officeDocument/2006/relationships" xmlns:p="http://schemas.openxmlformats.org/presentationml/2006/main">
+  <p:cSld>
+    <p:spTree>
+      <p:nvGrpSpPr>
+        <p:cNvPr id="1" name=""/>
+        <p:cNvGrpSpPr/>
+        <p:nvPr/>
+      </p:nvGrpSpPr>
+      <p:grpSpPr>
+        <a:xfrm>
+          <a:off x="0" y="0"/>
+          <a:ext cx="0" cy="0"/>
+          <a:chOff x="0" y="0"/>
+          <a:chExt cx="0" cy="0"/>
+        </a:xfrm>
+      </p:grpSpPr>
+      <p:sp>
+        <p:nvSpPr>
+          <p:cNvPr id="2" name="Cím 1"/>
+          <p:cNvSpPr>
+            <a:spLocks noGrp="1"/>
+          </p:cNvSpPr>
+          <p:nvPr>
+            <p:ph type="title"/>
+          </p:nvPr>
+        </p:nvSpPr>
+        <p:spPr/>
+        <p:txBody>
+          <a:bodyPr/>
+          <a:lstStyle/>
+          <a:p>
+            <a:r>
+              <a:rPr lang="hu-HU" dirty="0" smtClean="0"/>
+              <a:t>Története</a:t>
+            </a:r>
+            <a:endParaRPr lang="hu-HU" dirty="0"/>
+          </a:p>
+        </p:txBody>
+      </p:sp>
+      <p:sp>
+        <p:nvSpPr>
+          <p:cNvPr id="3" name="Tartalom helye 2"/>
+          <p:cNvSpPr>
+            <a:spLocks noGrp="1"/>
+          </p:cNvSpPr>
+          <p:nvPr>
+            <p:ph idx="1"/>
+          </p:nvPr>
+        </p:nvSpPr>
+        <p:spPr/>
+        <p:txBody>
+          <a:bodyPr/>
+          <a:lstStyle/>
+          <a:p>
+            <a:r>
+              <a:rPr lang="hu-HU" dirty="0" smtClean="0"/>
+              <a:t>Az </a:t>
+            </a:r>
+            <a:r>
+              <a:rPr lang="hu-HU" dirty="0" err="1" smtClean="0"/>
+              <a:t>Android</a:t>
+            </a:r>
+            <a:r>
+              <a:rPr lang="hu-HU" dirty="0" smtClean="0"/>
+              <a:t> Inc. kezdte  fejleszteni</a:t>
+            </a:r>
+          </a:p>
+          <a:p>
+            <a:r>
+              <a:rPr lang="hu-HU" dirty="0" smtClean="0"/>
+              <a:t>2005-ben felvásárolta a Google</a:t>
+            </a:r>
+          </a:p>
+          <a:p>
+            <a:r>
+              <a:rPr lang="hu-HU" dirty="0" smtClean="0"/>
+              <a:t>Konkurens OS az </a:t>
+            </a:r>
+            <a:r>
+              <a:rPr lang="hu-HU" dirty="0" err="1" smtClean="0"/>
+              <a:t>iOS</a:t>
+            </a:r>
+            <a:endParaRPr lang="hu-HU" dirty="0" smtClean="0"/>
+          </a:p>
+          <a:p>
+            <a:r>
+              <a:rPr lang="hu-HU" dirty="0" smtClean="0"/>
+              <a:t>Első </a:t>
+            </a:r>
+            <a:r>
+              <a:rPr lang="hu-HU" dirty="0" err="1" smtClean="0"/>
+              <a:t>androidos</a:t>
+            </a:r>
+            <a:r>
+              <a:rPr lang="hu-HU" dirty="0" smtClean="0"/>
+              <a:t> telefon 2008-ban</a:t>
+            </a:r>
+          </a:p>
+          <a:p>
+            <a:r>
+              <a:rPr lang="hu-HU" dirty="0" smtClean="0"/>
+              <a:t>Folyamatos fejlesztés, legújabb a 12-es</a:t>
+            </a:r>
+          </a:p>
+          <a:p>
+            <a:endParaRPr lang="hu-HU" dirty="0"/>
+          </a:p>
+        </p:txBody>
+      </p:sp>
+    </p:spTree>
+    <p:extLst>
+      <p:ext uri="{BB962C8B-B14F-4D97-AF65-F5344CB8AC3E}">
+        <p14:creationId xmlns:p14="http://schemas.microsoft.com/office/powerpoint/2010/main" val="3230575272"/>
+      </p:ext>
+    </p:extLst>
+  </p:cSld>
+  <p:clrMapOvr>
+    <a:masterClrMapping/>
+  </p:clrMapOvr>
+</p:sld>
+</file>
+
+<file path=ppt/slides/slide4.xml><?xml version="1.0" encoding="utf-8"?>
+<p:sld xmlns:a="http://schemas.openxmlformats.org/drawingml/2006/main" xmlns:r="http://schemas.openxmlformats.org/officeDocument/2006/relationships" xmlns:p="http://schemas.openxmlformats.org/presentationml/2006/main">
+  <p:cSld>
+    <p:spTree>
+      <p:nvGrpSpPr>
+        <p:cNvPr id="1" name=""/>
+        <p:cNvGrpSpPr/>
+        <p:nvPr/>
+      </p:nvGrpSpPr>
+      <p:grpSpPr>
+        <a:xfrm>
+          <a:off x="0" y="0"/>
+          <a:ext cx="0" cy="0"/>
+          <a:chOff x="0" y="0"/>
+          <a:chExt cx="0" cy="0"/>
+        </a:xfrm>
+      </p:grpSpPr>
+      <p:sp>
+        <p:nvSpPr>
+          <p:cNvPr id="2" name="Cím 1"/>
+          <p:cNvSpPr>
+            <a:spLocks noGrp="1"/>
+          </p:cNvSpPr>
+          <p:nvPr>
+            <p:ph type="title"/>
+          </p:nvPr>
+        </p:nvSpPr>
+        <p:spPr/>
+        <p:txBody>
+          <a:bodyPr/>
+          <a:lstStyle/>
+          <a:p>
+            <a:r>
+              <a:rPr lang="hu-HU" dirty="0" smtClean="0"/>
+              <a:t>Kompatibilis Eszközök</a:t>
+            </a:r>
+            <a:endParaRPr lang="hu-HU" dirty="0"/>
+          </a:p>
+        </p:txBody>
+      </p:sp>
+      <p:sp>
+        <p:nvSpPr>
+          <p:cNvPr id="3" name="Tartalom helye 2"/>
+          <p:cNvSpPr>
+            <a:spLocks noGrp="1"/>
+          </p:cNvSpPr>
+          <p:nvPr>
+            <p:ph idx="1"/>
+          </p:nvPr>
+        </p:nvSpPr>
+        <p:spPr/>
+        <p:txBody>
+          <a:bodyPr/>
+          <a:lstStyle/>
+          <a:p>
+            <a:r>
+              <a:rPr lang="hu-HU" dirty="0" smtClean="0"/>
+              <a:t>Főleg érintőképernyős okoseszközök</a:t>
+            </a:r>
+          </a:p>
+          <a:p>
+            <a:r>
+              <a:rPr lang="hu-HU" dirty="0" smtClean="0"/>
+              <a:t>Főbb támogatók: Samsung, </a:t>
+            </a:r>
+            <a:r>
+              <a:rPr lang="hu-HU" dirty="0" err="1" smtClean="0"/>
+              <a:t>Xiaomi</a:t>
+            </a:r>
+            <a:endParaRPr lang="hu-HU" dirty="0" smtClean="0"/>
+          </a:p>
+          <a:p>
+            <a:endParaRPr lang="hu-HU" dirty="0"/>
+          </a:p>
+        </p:txBody>
+      </p:sp>
+    </p:spTree>
+    <p:extLst>
+      <p:ext uri="{BB962C8B-B14F-4D97-AF65-F5344CB8AC3E}">
+        <p14:creationId xmlns:p14="http://schemas.microsoft.com/office/powerpoint/2010/main" val="614012249"/>
+      </p:ext>
+    </p:extLst>
+  </p:cSld>
+  <p:clrMapOvr>
+    <a:masterClrMapping/>
+  </p:clrMapOvr>
+</p:sld>
+</file>
+
+<file path=ppt/slides/slide5.xml><?xml version="1.0" encoding="utf-8"?>
+<p:sld xmlns:a="http://schemas.openxmlformats.org/drawingml/2006/main" xmlns:r="http://schemas.openxmlformats.org/officeDocument/2006/relationships" xmlns:p="http://schemas.openxmlformats.org/presentationml/2006/main">
+  <p:cSld>
+    <p:spTree>
+      <p:nvGrpSpPr>
+        <p:cNvPr id="1" name=""/>
+        <p:cNvGrpSpPr/>
+        <p:nvPr/>
+      </p:nvGrpSpPr>
+      <p:grpSpPr>
+        <a:xfrm>
+          <a:off x="0" y="0"/>
+          <a:ext cx="0" cy="0"/>
+          <a:chOff x="0" y="0"/>
+          <a:chExt cx="0" cy="0"/>
+        </a:xfrm>
+      </p:grpSpPr>
+      <p:sp>
+        <p:nvSpPr>
+          <p:cNvPr id="2" name="Cím 1"/>
+          <p:cNvSpPr>
+            <a:spLocks noGrp="1"/>
+          </p:cNvSpPr>
+          <p:nvPr>
+            <p:ph type="title"/>
+          </p:nvPr>
+        </p:nvSpPr>
+        <p:spPr/>
+        <p:txBody>
+          <a:bodyPr/>
+          <a:lstStyle/>
+          <a:p>
+            <a:r>
+              <a:rPr lang="hu-HU" dirty="0" smtClean="0"/>
+              <a:t>Előnyök</a:t>
+            </a:r>
+            <a:endParaRPr lang="hu-HU" dirty="0"/>
+          </a:p>
+        </p:txBody>
+      </p:sp>
+      <p:sp>
+        <p:nvSpPr>
+          <p:cNvPr id="3" name="Tartalom helye 2"/>
+          <p:cNvSpPr>
+            <a:spLocks noGrp="1"/>
+          </p:cNvSpPr>
+          <p:nvPr>
+            <p:ph idx="1"/>
+          </p:nvPr>
+        </p:nvSpPr>
+        <p:spPr/>
+        <p:txBody>
+          <a:bodyPr/>
+          <a:lstStyle/>
+          <a:p>
+            <a:r>
+              <a:rPr lang="hu-HU" dirty="0" smtClean="0"/>
+              <a:t>Nyílt forráskód, több cég fejleszti</a:t>
+            </a:r>
+          </a:p>
+          <a:p>
+            <a:r>
+              <a:rPr lang="hu-HU" dirty="0" smtClean="0"/>
+              <a:t>Bárhonnan letölthetünk fájlokat</a:t>
+            </a:r>
+          </a:p>
+          <a:p>
+            <a:r>
+              <a:rPr lang="hu-HU" dirty="0" smtClean="0"/>
+              <a:t>SD-kártya támogatott</a:t>
+            </a:r>
+          </a:p>
+          <a:p>
+            <a:r>
+              <a:rPr lang="hu-HU" dirty="0" smtClean="0"/>
+              <a:t>Könnyű használat</a:t>
+            </a:r>
+            <a:endParaRPr lang="hu-HU" dirty="0"/>
+          </a:p>
+        </p:txBody>
+      </p:sp>
+    </p:spTree>
+    <p:extLst>
+      <p:ext uri="{BB962C8B-B14F-4D97-AF65-F5344CB8AC3E}">
+        <p14:creationId xmlns:p14="http://schemas.microsoft.com/office/powerpoint/2010/main" val="1562842286"/>
+      </p:ext>
+    </p:extLst>
+  </p:cSld>
+  <p:clrMapOvr>
+    <a:masterClrMapping/>
+  </p:clrMapOvr>
+</p:sld>
+</file>
+
+<file path=ppt/slides/slide6.xml><?xml version="1.0" encoding="utf-8"?>
+<p:sld xmlns:a="http://schemas.openxmlformats.org/drawingml/2006/main" xmlns:r="http://schemas.openxmlformats.org/officeDocument/2006/relationships" xmlns:p="http://schemas.openxmlformats.org/presentationml/2006/main">
+  <p:cSld>
+    <p:spTree>
+      <p:nvGrpSpPr>
+        <p:cNvPr id="1" name=""/>
+        <p:cNvGrpSpPr/>
+        <p:nvPr/>
+      </p:nvGrpSpPr>
+      <p:grpSpPr>
+        <a:xfrm>
+          <a:off x="0" y="0"/>
+          <a:ext cx="0" cy="0"/>
+          <a:chOff x="0" y="0"/>
+          <a:chExt cx="0" cy="0"/>
+        </a:xfrm>
+      </p:grpSpPr>
+      <p:sp>
+        <p:nvSpPr>
+          <p:cNvPr id="2" name="Cím 1"/>
+          <p:cNvSpPr>
+            <a:spLocks noGrp="1"/>
+          </p:cNvSpPr>
+          <p:nvPr>
+            <p:ph type="title"/>
+          </p:nvPr>
+        </p:nvSpPr>
+        <p:spPr/>
+        <p:txBody>
+          <a:bodyPr/>
+          <a:lstStyle/>
+          <a:p>
+            <a:r>
+              <a:rPr lang="hu-HU" dirty="0" smtClean="0"/>
+              <a:t>Hátrányok</a:t>
+            </a:r>
+            <a:endParaRPr lang="hu-HU" dirty="0"/>
+          </a:p>
+        </p:txBody>
+      </p:sp>
+      <p:sp>
+        <p:nvSpPr>
+          <p:cNvPr id="3" name="Tartalom helye 2"/>
+          <p:cNvSpPr>
+            <a:spLocks noGrp="1"/>
+          </p:cNvSpPr>
+          <p:nvPr>
+            <p:ph idx="1"/>
+          </p:nvPr>
+        </p:nvSpPr>
+        <p:spPr/>
+        <p:txBody>
+          <a:bodyPr/>
+          <a:lstStyle/>
+          <a:p>
+            <a:r>
+              <a:rPr lang="hu-HU" dirty="0" smtClean="0"/>
+              <a:t>Nem elég tiszta a megjelenés (</a:t>
+            </a:r>
+            <a:r>
+              <a:rPr lang="hu-HU" dirty="0" err="1" smtClean="0"/>
+              <a:t>iOS-hez</a:t>
+            </a:r>
+            <a:r>
+              <a:rPr lang="hu-HU" smtClean="0"/>
+              <a:t>)</a:t>
+            </a:r>
+          </a:p>
+          <a:p>
+            <a:pPr lvl="1"/>
+            <a:endParaRPr lang="hu-HU"/>
+          </a:p>
+        </p:txBody>
+      </p:sp>
+    </p:spTree>
+    <p:extLst>
+      <p:ext uri="{BB962C8B-B14F-4D97-AF65-F5344CB8AC3E}">
+        <p14:creationId xmlns:p14="http://schemas.microsoft.com/office/powerpoint/2010/main" val="940857450"/>
+      </p:ext>
+    </p:extLst>
+  </p:cSld>
+  <p:clrMapOvr>
+    <a:masterClrMapping/>
+  </p:clrMapOvr>
 </p:sld>
 </file>
 

--- a/Az Android.pptx
+++ b/Az Android.pptx
@@ -6566,8 +6566,13 @@
           <a:p>
             <a:r>
               <a:rPr lang="hu-HU" dirty="0" smtClean="0"/>
-              <a:t>Folyamatos fejlesztés, legújabb a 12-es</a:t>
-            </a:r>
+              <a:t>Folyamatos fejlesztés, legújabb </a:t>
+            </a:r>
+            <a:r>
+              <a:rPr lang="hu-HU" smtClean="0"/>
+              <a:t>a 11-es</a:t>
+            </a:r>
+            <a:endParaRPr lang="hu-HU" dirty="0" smtClean="0"/>
           </a:p>
           <a:p>
             <a:endParaRPr lang="hu-HU" dirty="0"/>
@@ -6804,43 +6809,64 @@
           <a:p>
             <a:r>
               <a:rPr lang="hu-HU" dirty="0" smtClean="0"/>
-              <a:t>Hátrányok</a:t>
-            </a:r>
-            <a:endParaRPr lang="hu-HU" dirty="0"/>
-          </a:p>
-        </p:txBody>
-      </p:sp>
-      <p:sp>
-        <p:nvSpPr>
-          <p:cNvPr id="3" name="Tartalom helye 2"/>
-          <p:cNvSpPr>
-            <a:spLocks noGrp="1"/>
-          </p:cNvSpPr>
-          <p:nvPr>
-            <p:ph idx="1"/>
-          </p:nvPr>
-        </p:nvSpPr>
-        <p:spPr/>
-        <p:txBody>
-          <a:bodyPr/>
-          <a:lstStyle/>
-          <a:p>
-            <a:r>
-              <a:rPr lang="hu-HU" dirty="0" smtClean="0"/>
-              <a:t>Nem elég tiszta a megjelenés (</a:t>
+              <a:t>Hátrányok (</a:t>
             </a:r>
             <a:r>
               <a:rPr lang="hu-HU" dirty="0" err="1" smtClean="0"/>
               <a:t>iOS-hez</a:t>
             </a:r>
             <a:r>
-              <a:rPr lang="hu-HU" smtClean="0"/>
-              <a:t>)</a:t>
-            </a:r>
-          </a:p>
-          <a:p>
-            <a:pPr lvl="1"/>
-            <a:endParaRPr lang="hu-HU"/>
+              <a:rPr lang="hu-HU" dirty="0" smtClean="0"/>
+              <a:t> képest)</a:t>
+            </a:r>
+            <a:r>
+              <a:rPr lang="hu-HU" dirty="0"/>
+              <a:t/>
+            </a:r>
+            <a:br>
+              <a:rPr lang="hu-HU" dirty="0"/>
+            </a:br>
+            <a:endParaRPr lang="hu-HU" dirty="0"/>
+          </a:p>
+        </p:txBody>
+      </p:sp>
+      <p:sp>
+        <p:nvSpPr>
+          <p:cNvPr id="3" name="Tartalom helye 2"/>
+          <p:cNvSpPr>
+            <a:spLocks noGrp="1"/>
+          </p:cNvSpPr>
+          <p:nvPr>
+            <p:ph idx="1"/>
+          </p:nvPr>
+        </p:nvSpPr>
+        <p:spPr/>
+        <p:txBody>
+          <a:bodyPr/>
+          <a:lstStyle/>
+          <a:p>
+            <a:r>
+              <a:rPr lang="hu-HU" dirty="0" smtClean="0"/>
+              <a:t>Nem elég tiszta a megjelenés </a:t>
+            </a:r>
+          </a:p>
+          <a:p>
+            <a:r>
+              <a:rPr lang="hu-HU" dirty="0" smtClean="0"/>
+              <a:t>Nagyobb a hibalehetőség</a:t>
+            </a:r>
+          </a:p>
+          <a:p>
+            <a:r>
+              <a:rPr lang="hu-HU" dirty="0" smtClean="0"/>
+              <a:t>Könnyebben feltörhető</a:t>
+            </a:r>
+          </a:p>
+          <a:p>
+            <a:endParaRPr lang="hu-HU" dirty="0" smtClean="0"/>
+          </a:p>
+          <a:p>
+            <a:endParaRPr lang="hu-HU" dirty="0" smtClean="0"/>
           </a:p>
         </p:txBody>
       </p:sp>

--- a/Az Android.pptx
+++ b/Az Android.pptx
@@ -11,6 +11,7 @@
     <p:sldId id="259" r:id="rId5"/>
     <p:sldId id="260" r:id="rId6"/>
     <p:sldId id="261" r:id="rId7"/>
+    <p:sldId id="262" r:id="rId8"/>
   </p:sldIdLst>
   <p:sldSz cx="12192000" cy="6858000"/>
   <p:notesSz cx="6858000" cy="9144000"/>
@@ -303,7 +304,7 @@
           <a:p>
             <a:fld id="{3EFC9BCE-9225-4733-B841-96AACF0B58A0}" type="datetimeFigureOut">
               <a:rPr lang="hu-HU" smtClean="0"/>
-              <a:t>2022.09.15.</a:t>
+              <a:t>2022.09.20.</a:t>
             </a:fld>
             <a:endParaRPr lang="hu-HU"/>
           </a:p>
@@ -628,7 +629,7 @@
           <a:p>
             <a:fld id="{3EFC9BCE-9225-4733-B841-96AACF0B58A0}" type="datetimeFigureOut">
               <a:rPr lang="hu-HU" smtClean="0"/>
-              <a:t>2022.09.15.</a:t>
+              <a:t>2022.09.20.</a:t>
             </a:fld>
             <a:endParaRPr lang="hu-HU"/>
           </a:p>
@@ -822,7 +823,7 @@
           <a:p>
             <a:fld id="{3EFC9BCE-9225-4733-B841-96AACF0B58A0}" type="datetimeFigureOut">
               <a:rPr lang="hu-HU" smtClean="0"/>
-              <a:t>2022.09.15.</a:t>
+              <a:t>2022.09.20.</a:t>
             </a:fld>
             <a:endParaRPr lang="hu-HU"/>
           </a:p>
@@ -1095,7 +1096,7 @@
           <a:p>
             <a:fld id="{3EFC9BCE-9225-4733-B841-96AACF0B58A0}" type="datetimeFigureOut">
               <a:rPr lang="hu-HU" smtClean="0"/>
-              <a:t>2022.09.15.</a:t>
+              <a:t>2022.09.20.</a:t>
             </a:fld>
             <a:endParaRPr lang="hu-HU"/>
           </a:p>
@@ -1436,7 +1437,7 @@
           <a:p>
             <a:fld id="{3EFC9BCE-9225-4733-B841-96AACF0B58A0}" type="datetimeFigureOut">
               <a:rPr lang="hu-HU" smtClean="0"/>
-              <a:t>2022.09.15.</a:t>
+              <a:t>2022.09.20.</a:t>
             </a:fld>
             <a:endParaRPr lang="hu-HU"/>
           </a:p>
@@ -2059,7 +2060,7 @@
           <a:p>
             <a:fld id="{3EFC9BCE-9225-4733-B841-96AACF0B58A0}" type="datetimeFigureOut">
               <a:rPr lang="hu-HU" smtClean="0"/>
-              <a:t>2022.09.15.</a:t>
+              <a:t>2022.09.20.</a:t>
             </a:fld>
             <a:endParaRPr lang="hu-HU"/>
           </a:p>
@@ -2919,7 +2920,7 @@
           <a:p>
             <a:fld id="{3EFC9BCE-9225-4733-B841-96AACF0B58A0}" type="datetimeFigureOut">
               <a:rPr lang="hu-HU" smtClean="0"/>
-              <a:t>2022.09.15.</a:t>
+              <a:t>2022.09.20.</a:t>
             </a:fld>
             <a:endParaRPr lang="hu-HU"/>
           </a:p>
@@ -3089,7 +3090,7 @@
           <a:p>
             <a:fld id="{3EFC9BCE-9225-4733-B841-96AACF0B58A0}" type="datetimeFigureOut">
               <a:rPr lang="hu-HU" smtClean="0"/>
-              <a:t>2022.09.15.</a:t>
+              <a:t>2022.09.20.</a:t>
             </a:fld>
             <a:endParaRPr lang="hu-HU"/>
           </a:p>
@@ -3269,7 +3270,7 @@
           <a:p>
             <a:fld id="{3EFC9BCE-9225-4733-B841-96AACF0B58A0}" type="datetimeFigureOut">
               <a:rPr lang="hu-HU" smtClean="0"/>
-              <a:t>2022.09.15.</a:t>
+              <a:t>2022.09.20.</a:t>
             </a:fld>
             <a:endParaRPr lang="hu-HU"/>
           </a:p>
@@ -3439,7 +3440,7 @@
           <a:p>
             <a:fld id="{3EFC9BCE-9225-4733-B841-96AACF0B58A0}" type="datetimeFigureOut">
               <a:rPr lang="hu-HU" smtClean="0"/>
-              <a:t>2022.09.15.</a:t>
+              <a:t>2022.09.20.</a:t>
             </a:fld>
             <a:endParaRPr lang="hu-HU"/>
           </a:p>
@@ -3686,7 +3687,7 @@
           <a:p>
             <a:fld id="{3EFC9BCE-9225-4733-B841-96AACF0B58A0}" type="datetimeFigureOut">
               <a:rPr lang="hu-HU" smtClean="0"/>
-              <a:t>2022.09.15.</a:t>
+              <a:t>2022.09.20.</a:t>
             </a:fld>
             <a:endParaRPr lang="hu-HU"/>
           </a:p>
@@ -3978,7 +3979,7 @@
           <a:p>
             <a:fld id="{3EFC9BCE-9225-4733-B841-96AACF0B58A0}" type="datetimeFigureOut">
               <a:rPr lang="hu-HU" smtClean="0"/>
-              <a:t>2022.09.15.</a:t>
+              <a:t>2022.09.20.</a:t>
             </a:fld>
             <a:endParaRPr lang="hu-HU"/>
           </a:p>
@@ -4422,7 +4423,7 @@
           <a:p>
             <a:fld id="{3EFC9BCE-9225-4733-B841-96AACF0B58A0}" type="datetimeFigureOut">
               <a:rPr lang="hu-HU" smtClean="0"/>
-              <a:t>2022.09.15.</a:t>
+              <a:t>2022.09.20.</a:t>
             </a:fld>
             <a:endParaRPr lang="hu-HU"/>
           </a:p>
@@ -4540,7 +4541,7 @@
           <a:p>
             <a:fld id="{3EFC9BCE-9225-4733-B841-96AACF0B58A0}" type="datetimeFigureOut">
               <a:rPr lang="hu-HU" smtClean="0"/>
-              <a:t>2022.09.15.</a:t>
+              <a:t>2022.09.20.</a:t>
             </a:fld>
             <a:endParaRPr lang="hu-HU"/>
           </a:p>
@@ -4635,7 +4636,7 @@
           <a:p>
             <a:fld id="{3EFC9BCE-9225-4733-B841-96AACF0B58A0}" type="datetimeFigureOut">
               <a:rPr lang="hu-HU" smtClean="0"/>
-              <a:t>2022.09.15.</a:t>
+              <a:t>2022.09.20.</a:t>
             </a:fld>
             <a:endParaRPr lang="hu-HU"/>
           </a:p>
@@ -4914,7 +4915,7 @@
           <a:p>
             <a:fld id="{3EFC9BCE-9225-4733-B841-96AACF0B58A0}" type="datetimeFigureOut">
               <a:rPr lang="hu-HU" smtClean="0"/>
-              <a:t>2022.09.15.</a:t>
+              <a:t>2022.09.20.</a:t>
             </a:fld>
             <a:endParaRPr lang="hu-HU"/>
           </a:p>
@@ -5189,7 +5190,7 @@
           <a:p>
             <a:fld id="{3EFC9BCE-9225-4733-B841-96AACF0B58A0}" type="datetimeFigureOut">
               <a:rPr lang="hu-HU" smtClean="0"/>
-              <a:t>2022.09.15.</a:t>
+              <a:t>2022.09.20.</a:t>
             </a:fld>
             <a:endParaRPr lang="hu-HU"/>
           </a:p>
@@ -5618,7 +5619,7 @@
           <a:p>
             <a:fld id="{3EFC9BCE-9225-4733-B841-96AACF0B58A0}" type="datetimeFigureOut">
               <a:rPr lang="hu-HU" smtClean="0"/>
-              <a:t>2022.09.15.</a:t>
+              <a:t>2022.09.20.</a:t>
             </a:fld>
             <a:endParaRPr lang="hu-HU"/>
           </a:p>
@@ -6566,11 +6567,11 @@
           <a:p>
             <a:r>
               <a:rPr lang="hu-HU" dirty="0" smtClean="0"/>
-              <a:t>Folyamatos fejlesztés, legújabb </a:t>
-            </a:r>
-            <a:r>
-              <a:rPr lang="hu-HU" smtClean="0"/>
-              <a:t>a 11-es</a:t>
+              <a:t>Folyamatos fejlesztés, legújabb a </a:t>
+            </a:r>
+            <a:r>
+              <a:rPr lang="hu-HU" dirty="0" smtClean="0"/>
+              <a:t>13-es</a:t>
             </a:r>
             <a:endParaRPr lang="hu-HU" dirty="0" smtClean="0"/>
           </a:p>
@@ -6655,7 +6656,19 @@
           <a:p>
             <a:r>
               <a:rPr lang="hu-HU" dirty="0" smtClean="0"/>
-              <a:t>Főbb támogatók: Samsung, </a:t>
+              <a:t>Főbb </a:t>
+            </a:r>
+            <a:r>
+              <a:rPr lang="hu-HU" dirty="0" smtClean="0"/>
+              <a:t>gyártók</a:t>
+            </a:r>
+            <a:r>
+              <a:rPr lang="hu-HU" dirty="0" smtClean="0"/>
+              <a:t>: </a:t>
+            </a:r>
+            <a:r>
+              <a:rPr lang="hu-HU" dirty="0" smtClean="0"/>
+              <a:t>Samsung, </a:t>
             </a:r>
             <a:r>
               <a:rPr lang="hu-HU" dirty="0" err="1" smtClean="0"/>
@@ -6668,6 +6681,87 @@
           </a:p>
         </p:txBody>
       </p:sp>
+      <p:pic>
+        <p:nvPicPr>
+          <p:cNvPr id="8" name="Kép 7"/>
+          <p:cNvPicPr>
+            <a:picLocks noChangeAspect="1"/>
+          </p:cNvPicPr>
+          <p:nvPr/>
+        </p:nvPicPr>
+        <p:blipFill>
+          <a:blip r:embed="rId2" cstate="print">
+            <a:extLst>
+              <a:ext uri="{BEBA8EAE-BF5A-486C-A8C5-ECC9F3942E4B}">
+                <a14:imgProps xmlns:a14="http://schemas.microsoft.com/office/drawing/2010/main">
+                  <a14:imgLayer r:embed="rId3">
+                    <a14:imgEffect>
+                      <a14:backgroundRemoval t="10000" b="90000" l="10000" r="90000"/>
+                    </a14:imgEffect>
+                  </a14:imgLayer>
+                </a14:imgProps>
+              </a:ext>
+              <a:ext uri="{28A0092B-C50C-407E-A947-70E740481C1C}">
+                <a14:useLocalDpi xmlns:a14="http://schemas.microsoft.com/office/drawing/2010/main" val="0"/>
+              </a:ext>
+            </a:extLst>
+          </a:blip>
+          <a:stretch>
+            <a:fillRect/>
+          </a:stretch>
+        </p:blipFill>
+        <p:spPr>
+          <a:xfrm>
+            <a:off x="5440738" y="2930475"/>
+            <a:ext cx="4284000" cy="4284000"/>
+          </a:xfrm>
+          <a:prstGeom prst="rect">
+            <a:avLst/>
+          </a:prstGeom>
+          <a:ln>
+            <a:noFill/>
+          </a:ln>
+          <a:effectLst>
+            <a:softEdge rad="112500"/>
+          </a:effectLst>
+        </p:spPr>
+      </p:pic>
+      <p:pic>
+        <p:nvPicPr>
+          <p:cNvPr id="9" name="Kép 8"/>
+          <p:cNvPicPr>
+            <a:picLocks noChangeAspect="1"/>
+          </p:cNvPicPr>
+          <p:nvPr/>
+        </p:nvPicPr>
+        <p:blipFill>
+          <a:blip r:embed="rId4">
+            <a:extLst>
+              <a:ext uri="{28A0092B-C50C-407E-A947-70E740481C1C}">
+                <a14:useLocalDpi xmlns:a14="http://schemas.microsoft.com/office/drawing/2010/main" val="0"/>
+              </a:ext>
+            </a:extLst>
+          </a:blip>
+          <a:stretch>
+            <a:fillRect/>
+          </a:stretch>
+        </p:blipFill>
+        <p:spPr>
+          <a:xfrm>
+            <a:off x="7853762" y="1853248"/>
+            <a:ext cx="3741952" cy="2043303"/>
+          </a:xfrm>
+          <a:prstGeom prst="rect">
+            <a:avLst/>
+          </a:prstGeom>
+          <a:ln>
+            <a:noFill/>
+          </a:ln>
+          <a:effectLst>
+            <a:softEdge rad="112500"/>
+          </a:effectLst>
+        </p:spPr>
+      </p:pic>
     </p:spTree>
     <p:extLst>
       <p:ext uri="{BB962C8B-B14F-4D97-AF65-F5344CB8AC3E}">
@@ -6874,6 +6968,154 @@
     <p:extLst>
       <p:ext uri="{BB962C8B-B14F-4D97-AF65-F5344CB8AC3E}">
         <p14:creationId xmlns:p14="http://schemas.microsoft.com/office/powerpoint/2010/main" val="940857450"/>
+      </p:ext>
+    </p:extLst>
+  </p:cSld>
+  <p:clrMapOvr>
+    <a:masterClrMapping/>
+  </p:clrMapOvr>
+</p:sld>
+</file>
+
+<file path=ppt/slides/slide7.xml><?xml version="1.0" encoding="utf-8"?>
+<p:sld xmlns:a="http://schemas.openxmlformats.org/drawingml/2006/main" xmlns:r="http://schemas.openxmlformats.org/officeDocument/2006/relationships" xmlns:p="http://schemas.openxmlformats.org/presentationml/2006/main">
+  <p:cSld>
+    <p:spTree>
+      <p:nvGrpSpPr>
+        <p:cNvPr id="1" name=""/>
+        <p:cNvGrpSpPr/>
+        <p:nvPr/>
+      </p:nvGrpSpPr>
+      <p:grpSpPr>
+        <a:xfrm>
+          <a:off x="0" y="0"/>
+          <a:ext cx="0" cy="0"/>
+          <a:chOff x="0" y="0"/>
+          <a:chExt cx="0" cy="0"/>
+        </a:xfrm>
+      </p:grpSpPr>
+      <p:sp>
+        <p:nvSpPr>
+          <p:cNvPr id="2" name="Cím 1"/>
+          <p:cNvSpPr>
+            <a:spLocks noGrp="1"/>
+          </p:cNvSpPr>
+          <p:nvPr>
+            <p:ph type="title"/>
+          </p:nvPr>
+        </p:nvSpPr>
+        <p:spPr/>
+        <p:txBody>
+          <a:bodyPr/>
+          <a:lstStyle/>
+          <a:p>
+            <a:r>
+              <a:rPr lang="hu-HU" dirty="0" smtClean="0"/>
+              <a:t>Források</a:t>
+            </a:r>
+            <a:endParaRPr lang="hu-HU" dirty="0"/>
+          </a:p>
+        </p:txBody>
+      </p:sp>
+      <p:sp>
+        <p:nvSpPr>
+          <p:cNvPr id="3" name="Tartalom helye 2"/>
+          <p:cNvSpPr>
+            <a:spLocks noGrp="1"/>
+          </p:cNvSpPr>
+          <p:nvPr>
+            <p:ph idx="1"/>
+          </p:nvPr>
+        </p:nvSpPr>
+        <p:spPr/>
+        <p:txBody>
+          <a:bodyPr/>
+          <a:lstStyle/>
+          <a:p>
+            <a:r>
+              <a:rPr lang="hu-HU" dirty="0">
+                <a:hlinkClick r:id="rId2"/>
+              </a:rPr>
+              <a:t>https://</a:t>
+            </a:r>
+            <a:r>
+              <a:rPr lang="hu-HU" dirty="0" smtClean="0">
+                <a:hlinkClick r:id="rId2"/>
+              </a:rPr>
+              <a:t>bit.ly/3QXQN8I</a:t>
+            </a:r>
+            <a:r>
+              <a:rPr lang="hu-HU" dirty="0" smtClean="0"/>
+              <a:t> (</a:t>
+            </a:r>
+            <a:r>
+              <a:rPr lang="hu-HU" dirty="0" err="1" smtClean="0"/>
+              <a:t>Xiaomi</a:t>
+            </a:r>
+            <a:r>
+              <a:rPr lang="hu-HU" dirty="0" smtClean="0"/>
+              <a:t> logó)</a:t>
+            </a:r>
+          </a:p>
+          <a:p>
+            <a:r>
+              <a:rPr lang="hu-HU" dirty="0">
+                <a:hlinkClick r:id="rId3"/>
+              </a:rPr>
+              <a:t>https://</a:t>
+            </a:r>
+            <a:r>
+              <a:rPr lang="hu-HU" dirty="0" smtClean="0">
+                <a:hlinkClick r:id="rId3"/>
+              </a:rPr>
+              <a:t>bit.ly/3qPyqIz</a:t>
+            </a:r>
+            <a:r>
+              <a:rPr lang="hu-HU" dirty="0" smtClean="0"/>
+              <a:t> (</a:t>
+            </a:r>
+            <a:r>
+              <a:rPr lang="hu-HU" dirty="0"/>
+              <a:t>S</a:t>
+            </a:r>
+            <a:r>
+              <a:rPr lang="hu-HU" dirty="0" smtClean="0"/>
+              <a:t>amsung logó)</a:t>
+            </a:r>
+          </a:p>
+          <a:p>
+            <a:r>
+              <a:rPr lang="hu-HU" dirty="0">
+                <a:hlinkClick r:id="rId4"/>
+              </a:rPr>
+              <a:t>https://</a:t>
+            </a:r>
+            <a:r>
+              <a:rPr lang="hu-HU" dirty="0" smtClean="0">
+                <a:hlinkClick r:id="rId4"/>
+              </a:rPr>
+              <a:t>bit.ly/3BvXiKi</a:t>
+            </a:r>
+            <a:r>
+              <a:rPr lang="hu-HU" dirty="0" smtClean="0"/>
+              <a:t> (</a:t>
+            </a:r>
+            <a:r>
+              <a:rPr lang="hu-HU" dirty="0" err="1" smtClean="0"/>
+              <a:t>Android</a:t>
+            </a:r>
+            <a:r>
+              <a:rPr lang="hu-HU" smtClean="0"/>
+              <a:t> logó)</a:t>
+            </a:r>
+            <a:endParaRPr lang="hu-HU" dirty="0"/>
+          </a:p>
+        </p:txBody>
+      </p:sp>
+    </p:spTree>
+    <p:extLst>
+      <p:ext uri="{BB962C8B-B14F-4D97-AF65-F5344CB8AC3E}">
+        <p14:creationId xmlns:p14="http://schemas.microsoft.com/office/powerpoint/2010/main" val="3981594826"/>
       </p:ext>
     </p:extLst>
   </p:cSld>

--- a/Az Android.pptx
+++ b/Az Android.pptx
@@ -12,6 +12,7 @@
     <p:sldId id="260" r:id="rId6"/>
     <p:sldId id="261" r:id="rId7"/>
     <p:sldId id="262" r:id="rId8"/>
+    <p:sldId id="263" r:id="rId9"/>
   </p:sldIdLst>
   <p:sldSz cx="12192000" cy="6858000"/>
   <p:notesSz cx="6858000" cy="9144000"/>
@@ -6580,6 +6581,46 @@
           </a:p>
         </p:txBody>
       </p:sp>
+      <p:pic>
+        <p:nvPicPr>
+          <p:cNvPr id="4" name="Kép 3"/>
+          <p:cNvPicPr>
+            <a:picLocks noChangeAspect="1"/>
+          </p:cNvPicPr>
+          <p:nvPr/>
+        </p:nvPicPr>
+        <p:blipFill>
+          <a:blip r:embed="rId2">
+            <a:extLst>
+              <a:ext uri="{28A0092B-C50C-407E-A947-70E740481C1C}">
+                <a14:useLocalDpi xmlns:a14="http://schemas.microsoft.com/office/drawing/2010/main" val="0"/>
+              </a:ext>
+            </a:extLst>
+          </a:blip>
+          <a:stretch>
+            <a:fillRect/>
+          </a:stretch>
+        </p:blipFill>
+        <p:spPr>
+          <a:xfrm>
+            <a:off x="6691503" y="2658237"/>
+            <a:ext cx="4383293" cy="1548003"/>
+          </a:xfrm>
+          <a:prstGeom prst="rect">
+            <a:avLst/>
+          </a:prstGeom>
+          <a:ln>
+            <a:noFill/>
+          </a:ln>
+          <a:effectLst>
+            <a:outerShdw blurRad="292100" dist="139700" dir="2700000" algn="tl" rotWithShape="0">
+              <a:srgbClr val="333333">
+                <a:alpha val="65000"/>
+              </a:srgbClr>
+            </a:outerShdw>
+          </a:effectLst>
+        </p:spPr>
+      </p:pic>
     </p:spTree>
     <p:extLst>
       <p:ext uri="{BB962C8B-B14F-4D97-AF65-F5344CB8AC3E}">
@@ -7105,7 +7146,7 @@
               <a:t>Android</a:t>
             </a:r>
             <a:r>
-              <a:rPr lang="hu-HU" smtClean="0"/>
+              <a:rPr lang="hu-HU" dirty="0" smtClean="0"/>
               <a:t> logó)</a:t>
             </a:r>
             <a:endParaRPr lang="hu-HU" dirty="0"/>
@@ -7116,6 +7157,94 @@
     <p:extLst>
       <p:ext uri="{BB962C8B-B14F-4D97-AF65-F5344CB8AC3E}">
         <p14:creationId xmlns:p14="http://schemas.microsoft.com/office/powerpoint/2010/main" val="3981594826"/>
+      </p:ext>
+    </p:extLst>
+  </p:cSld>
+  <p:clrMapOvr>
+    <a:masterClrMapping/>
+  </p:clrMapOvr>
+</p:sld>
+</file>
+
+<file path=ppt/slides/slide8.xml><?xml version="1.0" encoding="utf-8"?>
+<p:sld xmlns:a="http://schemas.openxmlformats.org/drawingml/2006/main" xmlns:r="http://schemas.openxmlformats.org/officeDocument/2006/relationships" xmlns:p="http://schemas.openxmlformats.org/presentationml/2006/main">
+  <p:cSld>
+    <p:spTree>
+      <p:nvGrpSpPr>
+        <p:cNvPr id="1" name=""/>
+        <p:cNvGrpSpPr/>
+        <p:nvPr/>
+      </p:nvGrpSpPr>
+      <p:grpSpPr>
+        <a:xfrm>
+          <a:off x="0" y="0"/>
+          <a:ext cx="0" cy="0"/>
+          <a:chOff x="0" y="0"/>
+          <a:chExt cx="0" cy="0"/>
+        </a:xfrm>
+      </p:grpSpPr>
+      <p:sp>
+        <p:nvSpPr>
+          <p:cNvPr id="6" name="Cím 5"/>
+          <p:cNvSpPr>
+            <a:spLocks noGrp="1"/>
+          </p:cNvSpPr>
+          <p:nvPr>
+            <p:ph type="title"/>
+          </p:nvPr>
+        </p:nvSpPr>
+        <p:spPr>
+          <a:xfrm>
+            <a:off x="1154955" y="-856827"/>
+            <a:ext cx="10232372" cy="1915647"/>
+          </a:xfrm>
+        </p:spPr>
+        <p:txBody>
+          <a:bodyPr/>
+          <a:lstStyle/>
+          <a:p>
+            <a:r>
+              <a:rPr lang="hu-HU" sz="7200" dirty="0" smtClean="0"/>
+              <a:t>Köszönöm a figyelmet!</a:t>
+            </a:r>
+            <a:endParaRPr lang="hu-HU" sz="7200" dirty="0"/>
+          </a:p>
+        </p:txBody>
+      </p:sp>
+      <p:pic>
+        <p:nvPicPr>
+          <p:cNvPr id="8" name="Kép 7"/>
+          <p:cNvPicPr>
+            <a:picLocks noChangeAspect="1"/>
+          </p:cNvPicPr>
+          <p:nvPr/>
+        </p:nvPicPr>
+        <p:blipFill>
+          <a:blip r:embed="rId2" cstate="print">
+            <a:extLst>
+              <a:ext uri="{28A0092B-C50C-407E-A947-70E740481C1C}">
+                <a14:useLocalDpi xmlns:a14="http://schemas.microsoft.com/office/drawing/2010/main" val="0"/>
+              </a:ext>
+            </a:extLst>
+          </a:blip>
+          <a:stretch>
+            <a:fillRect/>
+          </a:stretch>
+        </p:blipFill>
+        <p:spPr>
+          <a:xfrm>
+            <a:off x="4067555" y="1571243"/>
+            <a:ext cx="3686557" cy="4896508"/>
+          </a:xfrm>
+          <a:prstGeom prst="rect">
+            <a:avLst/>
+          </a:prstGeom>
+        </p:spPr>
+      </p:pic>
+    </p:spTree>
+    <p:extLst>
+      <p:ext uri="{BB962C8B-B14F-4D97-AF65-F5344CB8AC3E}">
+        <p14:creationId xmlns:p14="http://schemas.microsoft.com/office/powerpoint/2010/main" val="942135633"/>
       </p:ext>
     </p:extLst>
   </p:cSld>

--- a/Az Android.pptx
+++ b/Az Android.pptx
@@ -406,6 +406,18 @@
   <p:clrMapOvr>
     <a:masterClrMapping/>
   </p:clrMapOvr>
+  <mc:AlternateContent xmlns:mc="http://schemas.openxmlformats.org/markup-compatibility/2006">
+    <mc:Choice xmlns:p14="http://schemas.microsoft.com/office/powerpoint/2010/main" Requires="p14">
+      <p:transition spd="med" p14:dur="700">
+        <p:push dir="u"/>
+      </p:transition>
+    </mc:Choice>
+    <mc:Fallback>
+      <p:transition spd="med">
+        <p:push dir="u"/>
+      </p:transition>
+    </mc:Fallback>
+  </mc:AlternateContent>
   <p:timing>
     <p:tnLst>
       <p:par>
@@ -688,6 +700,18 @@
   <p:clrMapOvr>
     <a:masterClrMapping/>
   </p:clrMapOvr>
+  <mc:AlternateContent xmlns:mc="http://schemas.openxmlformats.org/markup-compatibility/2006">
+    <mc:Choice xmlns:p14="http://schemas.microsoft.com/office/powerpoint/2010/main" Requires="p14">
+      <p:transition spd="med" p14:dur="700">
+        <p:push dir="u"/>
+      </p:transition>
+    </mc:Choice>
+    <mc:Fallback>
+      <p:transition spd="med">
+        <p:push dir="u"/>
+      </p:transition>
+    </mc:Fallback>
+  </mc:AlternateContent>
 </p:sldLayout>
 </file>
 
@@ -882,6 +906,18 @@
   <p:clrMapOvr>
     <a:masterClrMapping/>
   </p:clrMapOvr>
+  <mc:AlternateContent xmlns:mc="http://schemas.openxmlformats.org/markup-compatibility/2006">
+    <mc:Choice xmlns:p14="http://schemas.microsoft.com/office/powerpoint/2010/main" Requires="p14">
+      <p:transition spd="med" p14:dur="700">
+        <p:push dir="u"/>
+      </p:transition>
+    </mc:Choice>
+    <mc:Fallback>
+      <p:transition spd="med">
+        <p:push dir="u"/>
+      </p:transition>
+    </mc:Fallback>
+  </mc:AlternateContent>
 </p:sldLayout>
 </file>
 
@@ -1249,6 +1285,18 @@
   <p:clrMapOvr>
     <a:masterClrMapping/>
   </p:clrMapOvr>
+  <mc:AlternateContent xmlns:mc="http://schemas.openxmlformats.org/markup-compatibility/2006">
+    <mc:Choice xmlns:p14="http://schemas.microsoft.com/office/powerpoint/2010/main" Requires="p14">
+      <p:transition spd="med" p14:dur="700">
+        <p:push dir="u"/>
+      </p:transition>
+    </mc:Choice>
+    <mc:Fallback>
+      <p:transition spd="med">
+        <p:push dir="u"/>
+      </p:transition>
+    </mc:Fallback>
+  </mc:AlternateContent>
 </p:sldLayout>
 </file>
 
@@ -1496,6 +1544,18 @@
   <p:clrMapOvr>
     <a:masterClrMapping/>
   </p:clrMapOvr>
+  <mc:AlternateContent xmlns:mc="http://schemas.openxmlformats.org/markup-compatibility/2006">
+    <mc:Choice xmlns:p14="http://schemas.microsoft.com/office/powerpoint/2010/main" Requires="p14">
+      <p:transition spd="med" p14:dur="700">
+        <p:push dir="u"/>
+      </p:transition>
+    </mc:Choice>
+    <mc:Fallback>
+      <p:transition spd="med">
+        <p:push dir="u"/>
+      </p:transition>
+    </mc:Fallback>
+  </mc:AlternateContent>
 </p:sldLayout>
 </file>
 
@@ -2119,6 +2179,18 @@
   <p:clrMapOvr>
     <a:masterClrMapping/>
   </p:clrMapOvr>
+  <mc:AlternateContent xmlns:mc="http://schemas.openxmlformats.org/markup-compatibility/2006">
+    <mc:Choice xmlns:p14="http://schemas.microsoft.com/office/powerpoint/2010/main" Requires="p14">
+      <p:transition spd="med" p14:dur="700">
+        <p:push dir="u"/>
+      </p:transition>
+    </mc:Choice>
+    <mc:Fallback>
+      <p:transition spd="med">
+        <p:push dir="u"/>
+      </p:transition>
+    </mc:Fallback>
+  </mc:AlternateContent>
 </p:sldLayout>
 </file>
 
@@ -2979,6 +3051,18 @@
   <p:clrMapOvr>
     <a:masterClrMapping/>
   </p:clrMapOvr>
+  <mc:AlternateContent xmlns:mc="http://schemas.openxmlformats.org/markup-compatibility/2006">
+    <mc:Choice xmlns:p14="http://schemas.microsoft.com/office/powerpoint/2010/main" Requires="p14">
+      <p:transition spd="med" p14:dur="700">
+        <p:push dir="u"/>
+      </p:transition>
+    </mc:Choice>
+    <mc:Fallback>
+      <p:transition spd="med">
+        <p:push dir="u"/>
+      </p:transition>
+    </mc:Fallback>
+  </mc:AlternateContent>
 </p:sldLayout>
 </file>
 
@@ -3149,6 +3233,18 @@
   <p:clrMapOvr>
     <a:masterClrMapping/>
   </p:clrMapOvr>
+  <mc:AlternateContent xmlns:mc="http://schemas.openxmlformats.org/markup-compatibility/2006">
+    <mc:Choice xmlns:p14="http://schemas.microsoft.com/office/powerpoint/2010/main" Requires="p14">
+      <p:transition spd="med" p14:dur="700">
+        <p:push dir="u"/>
+      </p:transition>
+    </mc:Choice>
+    <mc:Fallback>
+      <p:transition spd="med">
+        <p:push dir="u"/>
+      </p:transition>
+    </mc:Fallback>
+  </mc:AlternateContent>
 </p:sldLayout>
 </file>
 
@@ -3329,6 +3425,18 @@
   <p:clrMapOvr>
     <a:masterClrMapping/>
   </p:clrMapOvr>
+  <mc:AlternateContent xmlns:mc="http://schemas.openxmlformats.org/markup-compatibility/2006">
+    <mc:Choice xmlns:p14="http://schemas.microsoft.com/office/powerpoint/2010/main" Requires="p14">
+      <p:transition spd="med" p14:dur="700">
+        <p:push dir="u"/>
+      </p:transition>
+    </mc:Choice>
+    <mc:Fallback>
+      <p:transition spd="med">
+        <p:push dir="u"/>
+      </p:transition>
+    </mc:Fallback>
+  </mc:AlternateContent>
 </p:sldLayout>
 </file>
 
@@ -3499,6 +3607,18 @@
   <p:clrMapOvr>
     <a:masterClrMapping/>
   </p:clrMapOvr>
+  <mc:AlternateContent xmlns:mc="http://schemas.openxmlformats.org/markup-compatibility/2006">
+    <mc:Choice xmlns:p14="http://schemas.microsoft.com/office/powerpoint/2010/main" Requires="p14">
+      <p:transition spd="med" p14:dur="700">
+        <p:push dir="u"/>
+      </p:transition>
+    </mc:Choice>
+    <mc:Fallback>
+      <p:transition spd="med">
+        <p:push dir="u"/>
+      </p:transition>
+    </mc:Fallback>
+  </mc:AlternateContent>
 </p:sldLayout>
 </file>
 
@@ -3746,6 +3866,18 @@
   <p:clrMapOvr>
     <a:masterClrMapping/>
   </p:clrMapOvr>
+  <mc:AlternateContent xmlns:mc="http://schemas.openxmlformats.org/markup-compatibility/2006">
+    <mc:Choice xmlns:p14="http://schemas.microsoft.com/office/powerpoint/2010/main" Requires="p14">
+      <p:transition spd="med" p14:dur="700">
+        <p:push dir="u"/>
+      </p:transition>
+    </mc:Choice>
+    <mc:Fallback>
+      <p:transition spd="med">
+        <p:push dir="u"/>
+      </p:transition>
+    </mc:Fallback>
+  </mc:AlternateContent>
 </p:sldLayout>
 </file>
 
@@ -4038,6 +4170,18 @@
   <p:clrMapOvr>
     <a:masterClrMapping/>
   </p:clrMapOvr>
+  <mc:AlternateContent xmlns:mc="http://schemas.openxmlformats.org/markup-compatibility/2006">
+    <mc:Choice xmlns:p14="http://schemas.microsoft.com/office/powerpoint/2010/main" Requires="p14">
+      <p:transition spd="med" p14:dur="700">
+        <p:push dir="u"/>
+      </p:transition>
+    </mc:Choice>
+    <mc:Fallback>
+      <p:transition spd="med">
+        <p:push dir="u"/>
+      </p:transition>
+    </mc:Fallback>
+  </mc:AlternateContent>
 </p:sldLayout>
 </file>
 
@@ -4482,6 +4626,18 @@
   <p:clrMapOvr>
     <a:masterClrMapping/>
   </p:clrMapOvr>
+  <mc:AlternateContent xmlns:mc="http://schemas.openxmlformats.org/markup-compatibility/2006">
+    <mc:Choice xmlns:p14="http://schemas.microsoft.com/office/powerpoint/2010/main" Requires="p14">
+      <p:transition spd="med" p14:dur="700">
+        <p:push dir="u"/>
+      </p:transition>
+    </mc:Choice>
+    <mc:Fallback>
+      <p:transition spd="med">
+        <p:push dir="u"/>
+      </p:transition>
+    </mc:Fallback>
+  </mc:AlternateContent>
 </p:sldLayout>
 </file>
 
@@ -4600,6 +4756,18 @@
   <p:clrMapOvr>
     <a:masterClrMapping/>
   </p:clrMapOvr>
+  <mc:AlternateContent xmlns:mc="http://schemas.openxmlformats.org/markup-compatibility/2006">
+    <mc:Choice xmlns:p14="http://schemas.microsoft.com/office/powerpoint/2010/main" Requires="p14">
+      <p:transition spd="med" p14:dur="700">
+        <p:push dir="u"/>
+      </p:transition>
+    </mc:Choice>
+    <mc:Fallback>
+      <p:transition spd="med">
+        <p:push dir="u"/>
+      </p:transition>
+    </mc:Fallback>
+  </mc:AlternateContent>
 </p:sldLayout>
 </file>
 
@@ -4695,6 +4863,18 @@
   <p:clrMapOvr>
     <a:masterClrMapping/>
   </p:clrMapOvr>
+  <mc:AlternateContent xmlns:mc="http://schemas.openxmlformats.org/markup-compatibility/2006">
+    <mc:Choice xmlns:p14="http://schemas.microsoft.com/office/powerpoint/2010/main" Requires="p14">
+      <p:transition spd="med" p14:dur="700">
+        <p:push dir="u"/>
+      </p:transition>
+    </mc:Choice>
+    <mc:Fallback>
+      <p:transition spd="med">
+        <p:push dir="u"/>
+      </p:transition>
+    </mc:Fallback>
+  </mc:AlternateContent>
 </p:sldLayout>
 </file>
 
@@ -4974,6 +5154,18 @@
   <p:clrMapOvr>
     <a:masterClrMapping/>
   </p:clrMapOvr>
+  <mc:AlternateContent xmlns:mc="http://schemas.openxmlformats.org/markup-compatibility/2006">
+    <mc:Choice xmlns:p14="http://schemas.microsoft.com/office/powerpoint/2010/main" Requires="p14">
+      <p:transition spd="med" p14:dur="700">
+        <p:push dir="u"/>
+      </p:transition>
+    </mc:Choice>
+    <mc:Fallback>
+      <p:transition spd="med">
+        <p:push dir="u"/>
+      </p:transition>
+    </mc:Fallback>
+  </mc:AlternateContent>
 </p:sldLayout>
 </file>
 
@@ -5249,6 +5441,18 @@
   <p:clrMapOvr>
     <a:masterClrMapping/>
   </p:clrMapOvr>
+  <mc:AlternateContent xmlns:mc="http://schemas.openxmlformats.org/markup-compatibility/2006">
+    <mc:Choice xmlns:p14="http://schemas.microsoft.com/office/powerpoint/2010/main" Requires="p14">
+      <p:transition spd="med" p14:dur="700">
+        <p:push dir="u"/>
+      </p:transition>
+    </mc:Choice>
+    <mc:Fallback>
+      <p:transition spd="med">
+        <p:push dir="u"/>
+      </p:transition>
+    </mc:Fallback>
+  </mc:AlternateContent>
 </p:sldLayout>
 </file>
 
@@ -5775,12 +5979,981 @@
     <p:sldLayoutId id="2147483676" r:id="rId16"/>
     <p:sldLayoutId id="2147483677" r:id="rId17"/>
   </p:sldLayoutIdLst>
+  <mc:AlternateContent xmlns:mc="http://schemas.openxmlformats.org/markup-compatibility/2006">
+    <mc:Choice xmlns:p14="http://schemas.microsoft.com/office/powerpoint/2010/main" Requires="p14">
+      <p:transition spd="med" p14:dur="700">
+        <p:push dir="u"/>
+      </p:transition>
+    </mc:Choice>
+    <mc:Fallback>
+      <p:transition spd="med">
+        <p:push dir="u"/>
+      </p:transition>
+    </mc:Fallback>
+  </mc:AlternateContent>
   <p:timing>
     <p:tnLst>
       <p:par>
-        <p:cTn id="1" dur="indefinite" restart="never" nodeType="tmRoot"/>
+        <p:cTn id="1" dur="indefinite" restart="never" nodeType="tmRoot">
+          <p:childTnLst>
+            <p:seq concurrent="1" nextAc="seek">
+              <p:cTn id="2" dur="indefinite" nodeType="mainSeq">
+                <p:childTnLst>
+                  <p:par>
+                    <p:cTn id="3" fill="hold">
+                      <p:stCondLst>
+                        <p:cond delay="indefinite"/>
+                      </p:stCondLst>
+                      <p:childTnLst>
+                        <p:par>
+                          <p:cTn id="4" fill="hold">
+                            <p:stCondLst>
+                              <p:cond delay="0"/>
+                            </p:stCondLst>
+                            <p:childTnLst>
+                              <p:par>
+                                <p:cTn id="5" presetID="42" presetClass="entr" presetSubtype="0" fill="hold" grpId="0" nodeType="clickEffect">
+                                  <p:stCondLst>
+                                    <p:cond delay="0"/>
+                                  </p:stCondLst>
+                                  <p:childTnLst>
+                                    <p:set>
+                                      <p:cBhvr>
+                                        <p:cTn id="6" dur="1" fill="hold">
+                                          <p:stCondLst>
+                                            <p:cond delay="0"/>
+                                          </p:stCondLst>
+                                        </p:cTn>
+                                        <p:tgtEl>
+                                          <p:spTgt spid="3">
+                                            <p:txEl>
+                                              <p:pRg st="0" end="0"/>
+                                            </p:txEl>
+                                          </p:spTgt>
+                                        </p:tgtEl>
+                                        <p:attrNameLst>
+                                          <p:attrName>style.visibility</p:attrName>
+                                        </p:attrNameLst>
+                                      </p:cBhvr>
+                                      <p:to>
+                                        <p:strVal val="visible"/>
+                                      </p:to>
+                                    </p:set>
+                                    <p:animEffect transition="in" filter="fade">
+                                      <p:cBhvr>
+                                        <p:cTn id="7" dur="1000"/>
+                                        <p:tgtEl>
+                                          <p:spTgt spid="3">
+                                            <p:txEl>
+                                              <p:pRg st="0" end="0"/>
+                                            </p:txEl>
+                                          </p:spTgt>
+                                        </p:tgtEl>
+                                      </p:cBhvr>
+                                    </p:animEffect>
+                                    <p:anim calcmode="lin" valueType="num">
+                                      <p:cBhvr>
+                                        <p:cTn id="8" dur="1000" fill="hold"/>
+                                        <p:tgtEl>
+                                          <p:spTgt spid="3">
+                                            <p:txEl>
+                                              <p:pRg st="0" end="0"/>
+                                            </p:txEl>
+                                          </p:spTgt>
+                                        </p:tgtEl>
+                                        <p:attrNameLst>
+                                          <p:attrName>ppt_x</p:attrName>
+                                        </p:attrNameLst>
+                                      </p:cBhvr>
+                                      <p:tavLst>
+                                        <p:tav tm="0">
+                                          <p:val>
+                                            <p:strVal val="#ppt_x"/>
+                                          </p:val>
+                                        </p:tav>
+                                        <p:tav tm="100000">
+                                          <p:val>
+                                            <p:strVal val="#ppt_x"/>
+                                          </p:val>
+                                        </p:tav>
+                                      </p:tavLst>
+                                    </p:anim>
+                                    <p:anim calcmode="lin" valueType="num">
+                                      <p:cBhvr>
+                                        <p:cTn id="9" dur="1000" fill="hold"/>
+                                        <p:tgtEl>
+                                          <p:spTgt spid="3">
+                                            <p:txEl>
+                                              <p:pRg st="0" end="0"/>
+                                            </p:txEl>
+                                          </p:spTgt>
+                                        </p:tgtEl>
+                                        <p:attrNameLst>
+                                          <p:attrName>ppt_y</p:attrName>
+                                        </p:attrNameLst>
+                                      </p:cBhvr>
+                                      <p:tavLst>
+                                        <p:tav tm="0">
+                                          <p:val>
+                                            <p:strVal val="#ppt_y+.1"/>
+                                          </p:val>
+                                        </p:tav>
+                                        <p:tav tm="100000">
+                                          <p:val>
+                                            <p:strVal val="#ppt_y"/>
+                                          </p:val>
+                                        </p:tav>
+                                      </p:tavLst>
+                                    </p:anim>
+                                  </p:childTnLst>
+                                </p:cTn>
+                              </p:par>
+                              <p:par>
+                                <p:cTn id="10" presetID="42" presetClass="entr" presetSubtype="0" fill="hold" grpId="0" nodeType="withEffect">
+                                  <p:stCondLst>
+                                    <p:cond delay="0"/>
+                                  </p:stCondLst>
+                                  <p:childTnLst>
+                                    <p:set>
+                                      <p:cBhvr>
+                                        <p:cTn id="11" dur="1" fill="hold">
+                                          <p:stCondLst>
+                                            <p:cond delay="0"/>
+                                          </p:stCondLst>
+                                        </p:cTn>
+                                        <p:tgtEl>
+                                          <p:spTgt spid="3">
+                                            <p:txEl>
+                                              <p:pRg st="1" end="1"/>
+                                            </p:txEl>
+                                          </p:spTgt>
+                                        </p:tgtEl>
+                                        <p:attrNameLst>
+                                          <p:attrName>style.visibility</p:attrName>
+                                        </p:attrNameLst>
+                                      </p:cBhvr>
+                                      <p:to>
+                                        <p:strVal val="visible"/>
+                                      </p:to>
+                                    </p:set>
+                                    <p:animEffect transition="in" filter="fade">
+                                      <p:cBhvr>
+                                        <p:cTn id="12" dur="1000"/>
+                                        <p:tgtEl>
+                                          <p:spTgt spid="3">
+                                            <p:txEl>
+                                              <p:pRg st="1" end="1"/>
+                                            </p:txEl>
+                                          </p:spTgt>
+                                        </p:tgtEl>
+                                      </p:cBhvr>
+                                    </p:animEffect>
+                                    <p:anim calcmode="lin" valueType="num">
+                                      <p:cBhvr>
+                                        <p:cTn id="13" dur="1000" fill="hold"/>
+                                        <p:tgtEl>
+                                          <p:spTgt spid="3">
+                                            <p:txEl>
+                                              <p:pRg st="1" end="1"/>
+                                            </p:txEl>
+                                          </p:spTgt>
+                                        </p:tgtEl>
+                                        <p:attrNameLst>
+                                          <p:attrName>ppt_x</p:attrName>
+                                        </p:attrNameLst>
+                                      </p:cBhvr>
+                                      <p:tavLst>
+                                        <p:tav tm="0">
+                                          <p:val>
+                                            <p:strVal val="#ppt_x"/>
+                                          </p:val>
+                                        </p:tav>
+                                        <p:tav tm="100000">
+                                          <p:val>
+                                            <p:strVal val="#ppt_x"/>
+                                          </p:val>
+                                        </p:tav>
+                                      </p:tavLst>
+                                    </p:anim>
+                                    <p:anim calcmode="lin" valueType="num">
+                                      <p:cBhvr>
+                                        <p:cTn id="14" dur="1000" fill="hold"/>
+                                        <p:tgtEl>
+                                          <p:spTgt spid="3">
+                                            <p:txEl>
+                                              <p:pRg st="1" end="1"/>
+                                            </p:txEl>
+                                          </p:spTgt>
+                                        </p:tgtEl>
+                                        <p:attrNameLst>
+                                          <p:attrName>ppt_y</p:attrName>
+                                        </p:attrNameLst>
+                                      </p:cBhvr>
+                                      <p:tavLst>
+                                        <p:tav tm="0">
+                                          <p:val>
+                                            <p:strVal val="#ppt_y+.1"/>
+                                          </p:val>
+                                        </p:tav>
+                                        <p:tav tm="100000">
+                                          <p:val>
+                                            <p:strVal val="#ppt_y"/>
+                                          </p:val>
+                                        </p:tav>
+                                      </p:tavLst>
+                                    </p:anim>
+                                  </p:childTnLst>
+                                </p:cTn>
+                              </p:par>
+                              <p:par>
+                                <p:cTn id="15" presetID="42" presetClass="entr" presetSubtype="0" fill="hold" grpId="0" nodeType="withEffect">
+                                  <p:stCondLst>
+                                    <p:cond delay="0"/>
+                                  </p:stCondLst>
+                                  <p:childTnLst>
+                                    <p:set>
+                                      <p:cBhvr>
+                                        <p:cTn id="16" dur="1" fill="hold">
+                                          <p:stCondLst>
+                                            <p:cond delay="0"/>
+                                          </p:stCondLst>
+                                        </p:cTn>
+                                        <p:tgtEl>
+                                          <p:spTgt spid="3">
+                                            <p:txEl>
+                                              <p:pRg st="2" end="2"/>
+                                            </p:txEl>
+                                          </p:spTgt>
+                                        </p:tgtEl>
+                                        <p:attrNameLst>
+                                          <p:attrName>style.visibility</p:attrName>
+                                        </p:attrNameLst>
+                                      </p:cBhvr>
+                                      <p:to>
+                                        <p:strVal val="visible"/>
+                                      </p:to>
+                                    </p:set>
+                                    <p:animEffect transition="in" filter="fade">
+                                      <p:cBhvr>
+                                        <p:cTn id="17" dur="1000"/>
+                                        <p:tgtEl>
+                                          <p:spTgt spid="3">
+                                            <p:txEl>
+                                              <p:pRg st="2" end="2"/>
+                                            </p:txEl>
+                                          </p:spTgt>
+                                        </p:tgtEl>
+                                      </p:cBhvr>
+                                    </p:animEffect>
+                                    <p:anim calcmode="lin" valueType="num">
+                                      <p:cBhvr>
+                                        <p:cTn id="18" dur="1000" fill="hold"/>
+                                        <p:tgtEl>
+                                          <p:spTgt spid="3">
+                                            <p:txEl>
+                                              <p:pRg st="2" end="2"/>
+                                            </p:txEl>
+                                          </p:spTgt>
+                                        </p:tgtEl>
+                                        <p:attrNameLst>
+                                          <p:attrName>ppt_x</p:attrName>
+                                        </p:attrNameLst>
+                                      </p:cBhvr>
+                                      <p:tavLst>
+                                        <p:tav tm="0">
+                                          <p:val>
+                                            <p:strVal val="#ppt_x"/>
+                                          </p:val>
+                                        </p:tav>
+                                        <p:tav tm="100000">
+                                          <p:val>
+                                            <p:strVal val="#ppt_x"/>
+                                          </p:val>
+                                        </p:tav>
+                                      </p:tavLst>
+                                    </p:anim>
+                                    <p:anim calcmode="lin" valueType="num">
+                                      <p:cBhvr>
+                                        <p:cTn id="19" dur="1000" fill="hold"/>
+                                        <p:tgtEl>
+                                          <p:spTgt spid="3">
+                                            <p:txEl>
+                                              <p:pRg st="2" end="2"/>
+                                            </p:txEl>
+                                          </p:spTgt>
+                                        </p:tgtEl>
+                                        <p:attrNameLst>
+                                          <p:attrName>ppt_y</p:attrName>
+                                        </p:attrNameLst>
+                                      </p:cBhvr>
+                                      <p:tavLst>
+                                        <p:tav tm="0">
+                                          <p:val>
+                                            <p:strVal val="#ppt_y+.1"/>
+                                          </p:val>
+                                        </p:tav>
+                                        <p:tav tm="100000">
+                                          <p:val>
+                                            <p:strVal val="#ppt_y"/>
+                                          </p:val>
+                                        </p:tav>
+                                      </p:tavLst>
+                                    </p:anim>
+                                  </p:childTnLst>
+                                </p:cTn>
+                              </p:par>
+                              <p:par>
+                                <p:cTn id="20" presetID="42" presetClass="entr" presetSubtype="0" fill="hold" grpId="0" nodeType="withEffect">
+                                  <p:stCondLst>
+                                    <p:cond delay="0"/>
+                                  </p:stCondLst>
+                                  <p:childTnLst>
+                                    <p:set>
+                                      <p:cBhvr>
+                                        <p:cTn id="21" dur="1" fill="hold">
+                                          <p:stCondLst>
+                                            <p:cond delay="0"/>
+                                          </p:stCondLst>
+                                        </p:cTn>
+                                        <p:tgtEl>
+                                          <p:spTgt spid="3">
+                                            <p:txEl>
+                                              <p:pRg st="3" end="3"/>
+                                            </p:txEl>
+                                          </p:spTgt>
+                                        </p:tgtEl>
+                                        <p:attrNameLst>
+                                          <p:attrName>style.visibility</p:attrName>
+                                        </p:attrNameLst>
+                                      </p:cBhvr>
+                                      <p:to>
+                                        <p:strVal val="visible"/>
+                                      </p:to>
+                                    </p:set>
+                                    <p:animEffect transition="in" filter="fade">
+                                      <p:cBhvr>
+                                        <p:cTn id="22" dur="1000"/>
+                                        <p:tgtEl>
+                                          <p:spTgt spid="3">
+                                            <p:txEl>
+                                              <p:pRg st="3" end="3"/>
+                                            </p:txEl>
+                                          </p:spTgt>
+                                        </p:tgtEl>
+                                      </p:cBhvr>
+                                    </p:animEffect>
+                                    <p:anim calcmode="lin" valueType="num">
+                                      <p:cBhvr>
+                                        <p:cTn id="23" dur="1000" fill="hold"/>
+                                        <p:tgtEl>
+                                          <p:spTgt spid="3">
+                                            <p:txEl>
+                                              <p:pRg st="3" end="3"/>
+                                            </p:txEl>
+                                          </p:spTgt>
+                                        </p:tgtEl>
+                                        <p:attrNameLst>
+                                          <p:attrName>ppt_x</p:attrName>
+                                        </p:attrNameLst>
+                                      </p:cBhvr>
+                                      <p:tavLst>
+                                        <p:tav tm="0">
+                                          <p:val>
+                                            <p:strVal val="#ppt_x"/>
+                                          </p:val>
+                                        </p:tav>
+                                        <p:tav tm="100000">
+                                          <p:val>
+                                            <p:strVal val="#ppt_x"/>
+                                          </p:val>
+                                        </p:tav>
+                                      </p:tavLst>
+                                    </p:anim>
+                                    <p:anim calcmode="lin" valueType="num">
+                                      <p:cBhvr>
+                                        <p:cTn id="24" dur="1000" fill="hold"/>
+                                        <p:tgtEl>
+                                          <p:spTgt spid="3">
+                                            <p:txEl>
+                                              <p:pRg st="3" end="3"/>
+                                            </p:txEl>
+                                          </p:spTgt>
+                                        </p:tgtEl>
+                                        <p:attrNameLst>
+                                          <p:attrName>ppt_y</p:attrName>
+                                        </p:attrNameLst>
+                                      </p:cBhvr>
+                                      <p:tavLst>
+                                        <p:tav tm="0">
+                                          <p:val>
+                                            <p:strVal val="#ppt_y+.1"/>
+                                          </p:val>
+                                        </p:tav>
+                                        <p:tav tm="100000">
+                                          <p:val>
+                                            <p:strVal val="#ppt_y"/>
+                                          </p:val>
+                                        </p:tav>
+                                      </p:tavLst>
+                                    </p:anim>
+                                  </p:childTnLst>
+                                </p:cTn>
+                              </p:par>
+                              <p:par>
+                                <p:cTn id="25" presetID="42" presetClass="entr" presetSubtype="0" fill="hold" grpId="0" nodeType="withEffect">
+                                  <p:stCondLst>
+                                    <p:cond delay="0"/>
+                                  </p:stCondLst>
+                                  <p:childTnLst>
+                                    <p:set>
+                                      <p:cBhvr>
+                                        <p:cTn id="26" dur="1" fill="hold">
+                                          <p:stCondLst>
+                                            <p:cond delay="0"/>
+                                          </p:stCondLst>
+                                        </p:cTn>
+                                        <p:tgtEl>
+                                          <p:spTgt spid="3">
+                                            <p:txEl>
+                                              <p:pRg st="4" end="4"/>
+                                            </p:txEl>
+                                          </p:spTgt>
+                                        </p:tgtEl>
+                                        <p:attrNameLst>
+                                          <p:attrName>style.visibility</p:attrName>
+                                        </p:attrNameLst>
+                                      </p:cBhvr>
+                                      <p:to>
+                                        <p:strVal val="visible"/>
+                                      </p:to>
+                                    </p:set>
+                                    <p:animEffect transition="in" filter="fade">
+                                      <p:cBhvr>
+                                        <p:cTn id="27" dur="1000"/>
+                                        <p:tgtEl>
+                                          <p:spTgt spid="3">
+                                            <p:txEl>
+                                              <p:pRg st="4" end="4"/>
+                                            </p:txEl>
+                                          </p:spTgt>
+                                        </p:tgtEl>
+                                      </p:cBhvr>
+                                    </p:animEffect>
+                                    <p:anim calcmode="lin" valueType="num">
+                                      <p:cBhvr>
+                                        <p:cTn id="28" dur="1000" fill="hold"/>
+                                        <p:tgtEl>
+                                          <p:spTgt spid="3">
+                                            <p:txEl>
+                                              <p:pRg st="4" end="4"/>
+                                            </p:txEl>
+                                          </p:spTgt>
+                                        </p:tgtEl>
+                                        <p:attrNameLst>
+                                          <p:attrName>ppt_x</p:attrName>
+                                        </p:attrNameLst>
+                                      </p:cBhvr>
+                                      <p:tavLst>
+                                        <p:tav tm="0">
+                                          <p:val>
+                                            <p:strVal val="#ppt_x"/>
+                                          </p:val>
+                                        </p:tav>
+                                        <p:tav tm="100000">
+                                          <p:val>
+                                            <p:strVal val="#ppt_x"/>
+                                          </p:val>
+                                        </p:tav>
+                                      </p:tavLst>
+                                    </p:anim>
+                                    <p:anim calcmode="lin" valueType="num">
+                                      <p:cBhvr>
+                                        <p:cTn id="29" dur="1000" fill="hold"/>
+                                        <p:tgtEl>
+                                          <p:spTgt spid="3">
+                                            <p:txEl>
+                                              <p:pRg st="4" end="4"/>
+                                            </p:txEl>
+                                          </p:spTgt>
+                                        </p:tgtEl>
+                                        <p:attrNameLst>
+                                          <p:attrName>ppt_y</p:attrName>
+                                        </p:attrNameLst>
+                                      </p:cBhvr>
+                                      <p:tavLst>
+                                        <p:tav tm="0">
+                                          <p:val>
+                                            <p:strVal val="#ppt_y+.1"/>
+                                          </p:val>
+                                        </p:tav>
+                                        <p:tav tm="100000">
+                                          <p:val>
+                                            <p:strVal val="#ppt_y"/>
+                                          </p:val>
+                                        </p:tav>
+                                      </p:tavLst>
+                                    </p:anim>
+                                  </p:childTnLst>
+                                </p:cTn>
+                              </p:par>
+                            </p:childTnLst>
+                          </p:cTn>
+                        </p:par>
+                      </p:childTnLst>
+                    </p:cTn>
+                  </p:par>
+                </p:childTnLst>
+              </p:cTn>
+              <p:prevCondLst>
+                <p:cond evt="onPrev" delay="0">
+                  <p:tgtEl>
+                    <p:sldTgt/>
+                  </p:tgtEl>
+                </p:cond>
+              </p:prevCondLst>
+              <p:nextCondLst>
+                <p:cond evt="onNext" delay="0">
+                  <p:tgtEl>
+                    <p:sldTgt/>
+                  </p:tgtEl>
+                </p:cond>
+              </p:nextCondLst>
+            </p:seq>
+          </p:childTnLst>
+        </p:cTn>
       </p:par>
     </p:tnLst>
+    <p:bldLst>
+      <p:bldP spid="3" grpId="0" build="p">
+        <p:tmplLst>
+          <p:tmpl lvl="1">
+            <p:tnLst>
+              <p:par>
+                <p:cTn presetID="42" presetClass="entr" presetSubtype="0" fill="hold" nodeType="clickEffect">
+                  <p:stCondLst>
+                    <p:cond delay="0"/>
+                  </p:stCondLst>
+                  <p:childTnLst>
+                    <p:set>
+                      <p:cBhvr>
+                        <p:cTn dur="1" fill="hold">
+                          <p:stCondLst>
+                            <p:cond delay="0"/>
+                          </p:stCondLst>
+                        </p:cTn>
+                        <p:tgtEl>
+                          <p:spTgt spid="3"/>
+                        </p:tgtEl>
+                        <p:attrNameLst>
+                          <p:attrName>style.visibility</p:attrName>
+                        </p:attrNameLst>
+                      </p:cBhvr>
+                      <p:to>
+                        <p:strVal val="visible"/>
+                      </p:to>
+                    </p:set>
+                    <p:animEffect transition="in" filter="fade">
+                      <p:cBhvr>
+                        <p:cTn dur="1000"/>
+                        <p:tgtEl>
+                          <p:spTgt spid="3"/>
+                        </p:tgtEl>
+                      </p:cBhvr>
+                    </p:animEffect>
+                    <p:anim calcmode="lin" valueType="num">
+                      <p:cBhvr>
+                        <p:cTn dur="1000" fill="hold"/>
+                        <p:tgtEl>
+                          <p:spTgt spid="3"/>
+                        </p:tgtEl>
+                        <p:attrNameLst>
+                          <p:attrName>ppt_x</p:attrName>
+                        </p:attrNameLst>
+                      </p:cBhvr>
+                      <p:tavLst>
+                        <p:tav tm="0">
+                          <p:val>
+                            <p:strVal val="#ppt_x"/>
+                          </p:val>
+                        </p:tav>
+                        <p:tav tm="100000">
+                          <p:val>
+                            <p:strVal val="#ppt_x"/>
+                          </p:val>
+                        </p:tav>
+                      </p:tavLst>
+                    </p:anim>
+                    <p:anim calcmode="lin" valueType="num">
+                      <p:cBhvr>
+                        <p:cTn dur="1000" fill="hold"/>
+                        <p:tgtEl>
+                          <p:spTgt spid="3"/>
+                        </p:tgtEl>
+                        <p:attrNameLst>
+                          <p:attrName>ppt_y</p:attrName>
+                        </p:attrNameLst>
+                      </p:cBhvr>
+                      <p:tavLst>
+                        <p:tav tm="0">
+                          <p:val>
+                            <p:strVal val="#ppt_y+.1"/>
+                          </p:val>
+                        </p:tav>
+                        <p:tav tm="100000">
+                          <p:val>
+                            <p:strVal val="#ppt_y"/>
+                          </p:val>
+                        </p:tav>
+                      </p:tavLst>
+                    </p:anim>
+                  </p:childTnLst>
+                </p:cTn>
+              </p:par>
+            </p:tnLst>
+          </p:tmpl>
+          <p:tmpl lvl="2">
+            <p:tnLst>
+              <p:par>
+                <p:cTn presetID="42" presetClass="entr" presetSubtype="0" fill="hold" nodeType="withEffect">
+                  <p:stCondLst>
+                    <p:cond delay="0"/>
+                  </p:stCondLst>
+                  <p:childTnLst>
+                    <p:set>
+                      <p:cBhvr>
+                        <p:cTn dur="1" fill="hold">
+                          <p:stCondLst>
+                            <p:cond delay="0"/>
+                          </p:stCondLst>
+                        </p:cTn>
+                        <p:tgtEl>
+                          <p:spTgt spid="3"/>
+                        </p:tgtEl>
+                        <p:attrNameLst>
+                          <p:attrName>style.visibility</p:attrName>
+                        </p:attrNameLst>
+                      </p:cBhvr>
+                      <p:to>
+                        <p:strVal val="visible"/>
+                      </p:to>
+                    </p:set>
+                    <p:animEffect transition="in" filter="fade">
+                      <p:cBhvr>
+                        <p:cTn dur="1000"/>
+                        <p:tgtEl>
+                          <p:spTgt spid="3"/>
+                        </p:tgtEl>
+                      </p:cBhvr>
+                    </p:animEffect>
+                    <p:anim calcmode="lin" valueType="num">
+                      <p:cBhvr>
+                        <p:cTn dur="1000" fill="hold"/>
+                        <p:tgtEl>
+                          <p:spTgt spid="3"/>
+                        </p:tgtEl>
+                        <p:attrNameLst>
+                          <p:attrName>ppt_x</p:attrName>
+                        </p:attrNameLst>
+                      </p:cBhvr>
+                      <p:tavLst>
+                        <p:tav tm="0">
+                          <p:val>
+                            <p:strVal val="#ppt_x"/>
+                          </p:val>
+                        </p:tav>
+                        <p:tav tm="100000">
+                          <p:val>
+                            <p:strVal val="#ppt_x"/>
+                          </p:val>
+                        </p:tav>
+                      </p:tavLst>
+                    </p:anim>
+                    <p:anim calcmode="lin" valueType="num">
+                      <p:cBhvr>
+                        <p:cTn dur="1000" fill="hold"/>
+                        <p:tgtEl>
+                          <p:spTgt spid="3"/>
+                        </p:tgtEl>
+                        <p:attrNameLst>
+                          <p:attrName>ppt_y</p:attrName>
+                        </p:attrNameLst>
+                      </p:cBhvr>
+                      <p:tavLst>
+                        <p:tav tm="0">
+                          <p:val>
+                            <p:strVal val="#ppt_y+.1"/>
+                          </p:val>
+                        </p:tav>
+                        <p:tav tm="100000">
+                          <p:val>
+                            <p:strVal val="#ppt_y"/>
+                          </p:val>
+                        </p:tav>
+                      </p:tavLst>
+                    </p:anim>
+                  </p:childTnLst>
+                </p:cTn>
+              </p:par>
+            </p:tnLst>
+          </p:tmpl>
+          <p:tmpl lvl="3">
+            <p:tnLst>
+              <p:par>
+                <p:cTn presetID="42" presetClass="entr" presetSubtype="0" fill="hold" nodeType="withEffect">
+                  <p:stCondLst>
+                    <p:cond delay="0"/>
+                  </p:stCondLst>
+                  <p:childTnLst>
+                    <p:set>
+                      <p:cBhvr>
+                        <p:cTn dur="1" fill="hold">
+                          <p:stCondLst>
+                            <p:cond delay="0"/>
+                          </p:stCondLst>
+                        </p:cTn>
+                        <p:tgtEl>
+                          <p:spTgt spid="3"/>
+                        </p:tgtEl>
+                        <p:attrNameLst>
+                          <p:attrName>style.visibility</p:attrName>
+                        </p:attrNameLst>
+                      </p:cBhvr>
+                      <p:to>
+                        <p:strVal val="visible"/>
+                      </p:to>
+                    </p:set>
+                    <p:animEffect transition="in" filter="fade">
+                      <p:cBhvr>
+                        <p:cTn dur="1000"/>
+                        <p:tgtEl>
+                          <p:spTgt spid="3"/>
+                        </p:tgtEl>
+                      </p:cBhvr>
+                    </p:animEffect>
+                    <p:anim calcmode="lin" valueType="num">
+                      <p:cBhvr>
+                        <p:cTn dur="1000" fill="hold"/>
+                        <p:tgtEl>
+                          <p:spTgt spid="3"/>
+                        </p:tgtEl>
+                        <p:attrNameLst>
+                          <p:attrName>ppt_x</p:attrName>
+                        </p:attrNameLst>
+                      </p:cBhvr>
+                      <p:tavLst>
+                        <p:tav tm="0">
+                          <p:val>
+                            <p:strVal val="#ppt_x"/>
+                          </p:val>
+                        </p:tav>
+                        <p:tav tm="100000">
+                          <p:val>
+                            <p:strVal val="#ppt_x"/>
+                          </p:val>
+                        </p:tav>
+                      </p:tavLst>
+                    </p:anim>
+                    <p:anim calcmode="lin" valueType="num">
+                      <p:cBhvr>
+                        <p:cTn dur="1000" fill="hold"/>
+                        <p:tgtEl>
+                          <p:spTgt spid="3"/>
+                        </p:tgtEl>
+                        <p:attrNameLst>
+                          <p:attrName>ppt_y</p:attrName>
+                        </p:attrNameLst>
+                      </p:cBhvr>
+                      <p:tavLst>
+                        <p:tav tm="0">
+                          <p:val>
+                            <p:strVal val="#ppt_y+.1"/>
+                          </p:val>
+                        </p:tav>
+                        <p:tav tm="100000">
+                          <p:val>
+                            <p:strVal val="#ppt_y"/>
+                          </p:val>
+                        </p:tav>
+                      </p:tavLst>
+                    </p:anim>
+                  </p:childTnLst>
+                </p:cTn>
+              </p:par>
+            </p:tnLst>
+          </p:tmpl>
+          <p:tmpl lvl="4">
+            <p:tnLst>
+              <p:par>
+                <p:cTn presetID="42" presetClass="entr" presetSubtype="0" fill="hold" nodeType="withEffect">
+                  <p:stCondLst>
+                    <p:cond delay="0"/>
+                  </p:stCondLst>
+                  <p:childTnLst>
+                    <p:set>
+                      <p:cBhvr>
+                        <p:cTn dur="1" fill="hold">
+                          <p:stCondLst>
+                            <p:cond delay="0"/>
+                          </p:stCondLst>
+                        </p:cTn>
+                        <p:tgtEl>
+                          <p:spTgt spid="3"/>
+                        </p:tgtEl>
+                        <p:attrNameLst>
+                          <p:attrName>style.visibility</p:attrName>
+                        </p:attrNameLst>
+                      </p:cBhvr>
+                      <p:to>
+                        <p:strVal val="visible"/>
+                      </p:to>
+                    </p:set>
+                    <p:animEffect transition="in" filter="fade">
+                      <p:cBhvr>
+                        <p:cTn dur="1000"/>
+                        <p:tgtEl>
+                          <p:spTgt spid="3"/>
+                        </p:tgtEl>
+                      </p:cBhvr>
+                    </p:animEffect>
+                    <p:anim calcmode="lin" valueType="num">
+                      <p:cBhvr>
+                        <p:cTn dur="1000" fill="hold"/>
+                        <p:tgtEl>
+                          <p:spTgt spid="3"/>
+                        </p:tgtEl>
+                        <p:attrNameLst>
+                          <p:attrName>ppt_x</p:attrName>
+                        </p:attrNameLst>
+                      </p:cBhvr>
+                      <p:tavLst>
+                        <p:tav tm="0">
+                          <p:val>
+                            <p:strVal val="#ppt_x"/>
+                          </p:val>
+                        </p:tav>
+                        <p:tav tm="100000">
+                          <p:val>
+                            <p:strVal val="#ppt_x"/>
+                          </p:val>
+                        </p:tav>
+                      </p:tavLst>
+                    </p:anim>
+                    <p:anim calcmode="lin" valueType="num">
+                      <p:cBhvr>
+                        <p:cTn dur="1000" fill="hold"/>
+                        <p:tgtEl>
+                          <p:spTgt spid="3"/>
+                        </p:tgtEl>
+                        <p:attrNameLst>
+                          <p:attrName>ppt_y</p:attrName>
+                        </p:attrNameLst>
+                      </p:cBhvr>
+                      <p:tavLst>
+                        <p:tav tm="0">
+                          <p:val>
+                            <p:strVal val="#ppt_y+.1"/>
+                          </p:val>
+                        </p:tav>
+                        <p:tav tm="100000">
+                          <p:val>
+                            <p:strVal val="#ppt_y"/>
+                          </p:val>
+                        </p:tav>
+                      </p:tavLst>
+                    </p:anim>
+                  </p:childTnLst>
+                </p:cTn>
+              </p:par>
+            </p:tnLst>
+          </p:tmpl>
+          <p:tmpl lvl="5">
+            <p:tnLst>
+              <p:par>
+                <p:cTn presetID="42" presetClass="entr" presetSubtype="0" fill="hold" nodeType="withEffect">
+                  <p:stCondLst>
+                    <p:cond delay="0"/>
+                  </p:stCondLst>
+                  <p:childTnLst>
+                    <p:set>
+                      <p:cBhvr>
+                        <p:cTn dur="1" fill="hold">
+                          <p:stCondLst>
+                            <p:cond delay="0"/>
+                          </p:stCondLst>
+                        </p:cTn>
+                        <p:tgtEl>
+                          <p:spTgt spid="3"/>
+                        </p:tgtEl>
+                        <p:attrNameLst>
+                          <p:attrName>style.visibility</p:attrName>
+                        </p:attrNameLst>
+                      </p:cBhvr>
+                      <p:to>
+                        <p:strVal val="visible"/>
+                      </p:to>
+                    </p:set>
+                    <p:animEffect transition="in" filter="fade">
+                      <p:cBhvr>
+                        <p:cTn dur="1000"/>
+                        <p:tgtEl>
+                          <p:spTgt spid="3"/>
+                        </p:tgtEl>
+                      </p:cBhvr>
+                    </p:animEffect>
+                    <p:anim calcmode="lin" valueType="num">
+                      <p:cBhvr>
+                        <p:cTn dur="1000" fill="hold"/>
+                        <p:tgtEl>
+                          <p:spTgt spid="3"/>
+                        </p:tgtEl>
+                        <p:attrNameLst>
+                          <p:attrName>ppt_x</p:attrName>
+                        </p:attrNameLst>
+                      </p:cBhvr>
+                      <p:tavLst>
+                        <p:tav tm="0">
+                          <p:val>
+                            <p:strVal val="#ppt_x"/>
+                          </p:val>
+                        </p:tav>
+                        <p:tav tm="100000">
+                          <p:val>
+                            <p:strVal val="#ppt_x"/>
+                          </p:val>
+                        </p:tav>
+                      </p:tavLst>
+                    </p:anim>
+                    <p:anim calcmode="lin" valueType="num">
+                      <p:cBhvr>
+                        <p:cTn dur="1000" fill="hold"/>
+                        <p:tgtEl>
+                          <p:spTgt spid="3"/>
+                        </p:tgtEl>
+                        <p:attrNameLst>
+                          <p:attrName>ppt_y</p:attrName>
+                        </p:attrNameLst>
+                      </p:cBhvr>
+                      <p:tavLst>
+                        <p:tav tm="0">
+                          <p:val>
+                            <p:strVal val="#ppt_y+.1"/>
+                          </p:val>
+                        </p:tav>
+                        <p:tav tm="100000">
+                          <p:val>
+                            <p:strVal val="#ppt_y"/>
+                          </p:val>
+                        </p:tav>
+                      </p:tavLst>
+                    </p:anim>
+                  </p:childTnLst>
+                </p:cTn>
+              </p:par>
+            </p:tnLst>
+          </p:tmpl>
+        </p:tmplLst>
+      </p:bldP>
+    </p:bldLst>
   </p:timing>
   <p:txStyles>
     <p:titleStyle>
@@ -6318,6 +7491,18 @@
   <p:clrMapOvr>
     <a:masterClrMapping/>
   </p:clrMapOvr>
+  <mc:AlternateContent xmlns:mc="http://schemas.openxmlformats.org/markup-compatibility/2006">
+    <mc:Choice xmlns:p14="http://schemas.microsoft.com/office/powerpoint/2010/main" Requires="p14">
+      <p:transition spd="med" p14:dur="700">
+        <p:push dir="u"/>
+      </p:transition>
+    </mc:Choice>
+    <mc:Fallback>
+      <p:transition spd="med">
+        <p:push dir="u"/>
+      </p:transition>
+    </mc:Fallback>
+  </mc:AlternateContent>
   <p:timing>
     <p:tnLst>
       <p:par>
@@ -6456,6 +7641,18 @@
   <p:clrMapOvr>
     <a:masterClrMapping/>
   </p:clrMapOvr>
+  <mc:AlternateContent xmlns:mc="http://schemas.openxmlformats.org/markup-compatibility/2006">
+    <mc:Choice xmlns:p14="http://schemas.microsoft.com/office/powerpoint/2010/main" Requires="p14">
+      <p:transition spd="med" p14:dur="700">
+        <p:push dir="u"/>
+      </p:transition>
+    </mc:Choice>
+    <mc:Fallback>
+      <p:transition spd="med">
+        <p:push dir="u"/>
+      </p:transition>
+    </mc:Fallback>
+  </mc:AlternateContent>
   <p:timing>
     <p:tnLst>
       <p:par>
@@ -6631,6 +7828,101 @@
   <p:clrMapOvr>
     <a:masterClrMapping/>
   </p:clrMapOvr>
+  <mc:AlternateContent xmlns:mc="http://schemas.openxmlformats.org/markup-compatibility/2006">
+    <mc:Choice xmlns:p14="http://schemas.microsoft.com/office/powerpoint/2010/main" Requires="p14">
+      <p:transition spd="med" p14:dur="700">
+        <p:push dir="u"/>
+      </p:transition>
+    </mc:Choice>
+    <mc:Fallback>
+      <p:transition spd="med">
+        <p:push dir="u"/>
+      </p:transition>
+    </mc:Fallback>
+  </mc:AlternateContent>
+  <p:timing>
+    <p:tnLst>
+      <p:par>
+        <p:cTn id="1" dur="indefinite" restart="never" nodeType="tmRoot">
+          <p:childTnLst>
+            <p:seq concurrent="1" nextAc="seek">
+              <p:cTn id="2" dur="indefinite" nodeType="mainSeq">
+                <p:childTnLst>
+                  <p:par>
+                    <p:cTn id="3" fill="hold">
+                      <p:stCondLst>
+                        <p:cond delay="indefinite"/>
+                      </p:stCondLst>
+                      <p:childTnLst>
+                        <p:par>
+                          <p:cTn id="4" fill="hold">
+                            <p:stCondLst>
+                              <p:cond delay="0"/>
+                            </p:stCondLst>
+                            <p:childTnLst>
+                              <p:par>
+                                <p:cTn id="5" presetID="10" presetClass="entr" presetSubtype="0" fill="hold" nodeType="clickEffect">
+                                  <p:stCondLst>
+                                    <p:cond delay="0"/>
+                                  </p:stCondLst>
+                                  <p:childTnLst>
+                                    <p:set>
+                                      <p:cBhvr>
+                                        <p:cTn id="6" dur="1" fill="hold">
+                                          <p:stCondLst>
+                                            <p:cond delay="0"/>
+                                          </p:stCondLst>
+                                        </p:cTn>
+                                        <p:tgtEl>
+                                          <p:spTgt spid="4"/>
+                                        </p:tgtEl>
+                                        <p:attrNameLst>
+                                          <p:attrName>style.visibility</p:attrName>
+                                        </p:attrNameLst>
+                                      </p:cBhvr>
+                                      <p:to>
+                                        <p:strVal val="visible"/>
+                                      </p:to>
+                                    </p:set>
+                                    <p:animEffect transition="in" filter="fade">
+                                      <p:cBhvr>
+                                        <p:cTn id="7" dur="500"/>
+                                        <p:tgtEl>
+                                          <p:spTgt spid="4"/>
+                                        </p:tgtEl>
+                                      </p:cBhvr>
+                                    </p:animEffect>
+                                  </p:childTnLst>
+                                </p:cTn>
+                              </p:par>
+                            </p:childTnLst>
+                          </p:cTn>
+                        </p:par>
+                      </p:childTnLst>
+                    </p:cTn>
+                  </p:par>
+                </p:childTnLst>
+              </p:cTn>
+              <p:prevCondLst>
+                <p:cond evt="onPrev" delay="0">
+                  <p:tgtEl>
+                    <p:sldTgt/>
+                  </p:tgtEl>
+                </p:cond>
+              </p:prevCondLst>
+              <p:nextCondLst>
+                <p:cond evt="onNext" delay="0">
+                  <p:tgtEl>
+                    <p:sldTgt/>
+                  </p:tgtEl>
+                </p:cond>
+              </p:nextCondLst>
+            </p:seq>
+          </p:childTnLst>
+        </p:cTn>
+      </p:par>
+    </p:tnLst>
+  </p:timing>
 </p:sld>
 </file>
 
@@ -6813,6 +8105,223 @@
   <p:clrMapOvr>
     <a:masterClrMapping/>
   </p:clrMapOvr>
+  <mc:AlternateContent xmlns:mc="http://schemas.openxmlformats.org/markup-compatibility/2006">
+    <mc:Choice xmlns:p14="http://schemas.microsoft.com/office/powerpoint/2010/main" Requires="p14">
+      <p:transition spd="med" p14:dur="700">
+        <p:push dir="u"/>
+      </p:transition>
+    </mc:Choice>
+    <mc:Fallback>
+      <p:transition spd="med">
+        <p:push dir="u"/>
+      </p:transition>
+    </mc:Fallback>
+  </mc:AlternateContent>
+  <p:timing>
+    <p:tnLst>
+      <p:par>
+        <p:cTn id="1" dur="indefinite" restart="never" nodeType="tmRoot">
+          <p:childTnLst>
+            <p:seq concurrent="1" nextAc="seek">
+              <p:cTn id="2" dur="indefinite" nodeType="mainSeq">
+                <p:childTnLst>
+                  <p:par>
+                    <p:cTn id="3" fill="hold">
+                      <p:stCondLst>
+                        <p:cond delay="indefinite"/>
+                      </p:stCondLst>
+                      <p:childTnLst>
+                        <p:par>
+                          <p:cTn id="4" fill="hold">
+                            <p:stCondLst>
+                              <p:cond delay="0"/>
+                            </p:stCondLst>
+                            <p:childTnLst>
+                              <p:par>
+                                <p:cTn id="5" presetID="31" presetClass="entr" presetSubtype="0" fill="hold" nodeType="clickEffect">
+                                  <p:stCondLst>
+                                    <p:cond delay="0"/>
+                                  </p:stCondLst>
+                                  <p:childTnLst>
+                                    <p:set>
+                                      <p:cBhvr>
+                                        <p:cTn id="6" dur="1" fill="hold">
+                                          <p:stCondLst>
+                                            <p:cond delay="0"/>
+                                          </p:stCondLst>
+                                        </p:cTn>
+                                        <p:tgtEl>
+                                          <p:spTgt spid="9"/>
+                                        </p:tgtEl>
+                                        <p:attrNameLst>
+                                          <p:attrName>style.visibility</p:attrName>
+                                        </p:attrNameLst>
+                                      </p:cBhvr>
+                                      <p:to>
+                                        <p:strVal val="visible"/>
+                                      </p:to>
+                                    </p:set>
+                                    <p:anim calcmode="lin" valueType="num">
+                                      <p:cBhvr>
+                                        <p:cTn id="7" dur="300" fill="hold"/>
+                                        <p:tgtEl>
+                                          <p:spTgt spid="9"/>
+                                        </p:tgtEl>
+                                        <p:attrNameLst>
+                                          <p:attrName>ppt_w</p:attrName>
+                                        </p:attrNameLst>
+                                      </p:cBhvr>
+                                      <p:tavLst>
+                                        <p:tav tm="0">
+                                          <p:val>
+                                            <p:fltVal val="0"/>
+                                          </p:val>
+                                        </p:tav>
+                                        <p:tav tm="100000">
+                                          <p:val>
+                                            <p:strVal val="#ppt_w"/>
+                                          </p:val>
+                                        </p:tav>
+                                      </p:tavLst>
+                                    </p:anim>
+                                    <p:anim calcmode="lin" valueType="num">
+                                      <p:cBhvr>
+                                        <p:cTn id="8" dur="300" fill="hold"/>
+                                        <p:tgtEl>
+                                          <p:spTgt spid="9"/>
+                                        </p:tgtEl>
+                                        <p:attrNameLst>
+                                          <p:attrName>ppt_h</p:attrName>
+                                        </p:attrNameLst>
+                                      </p:cBhvr>
+                                      <p:tavLst>
+                                        <p:tav tm="0">
+                                          <p:val>
+                                            <p:fltVal val="0"/>
+                                          </p:val>
+                                        </p:tav>
+                                        <p:tav tm="100000">
+                                          <p:val>
+                                            <p:strVal val="#ppt_h"/>
+                                          </p:val>
+                                        </p:tav>
+                                      </p:tavLst>
+                                    </p:anim>
+                                    <p:anim calcmode="lin" valueType="num">
+                                      <p:cBhvr>
+                                        <p:cTn id="9" dur="300" fill="hold"/>
+                                        <p:tgtEl>
+                                          <p:spTgt spid="9"/>
+                                        </p:tgtEl>
+                                        <p:attrNameLst>
+                                          <p:attrName>style.rotation</p:attrName>
+                                        </p:attrNameLst>
+                                      </p:cBhvr>
+                                      <p:tavLst>
+                                        <p:tav tm="0">
+                                          <p:val>
+                                            <p:fltVal val="90"/>
+                                          </p:val>
+                                        </p:tav>
+                                        <p:tav tm="100000">
+                                          <p:val>
+                                            <p:fltVal val="0"/>
+                                          </p:val>
+                                        </p:tav>
+                                      </p:tavLst>
+                                    </p:anim>
+                                    <p:animEffect transition="in" filter="fade">
+                                      <p:cBhvr>
+                                        <p:cTn id="10" dur="300"/>
+                                        <p:tgtEl>
+                                          <p:spTgt spid="9"/>
+                                        </p:tgtEl>
+                                      </p:cBhvr>
+                                    </p:animEffect>
+                                  </p:childTnLst>
+                                </p:cTn>
+                              </p:par>
+                            </p:childTnLst>
+                          </p:cTn>
+                        </p:par>
+                      </p:childTnLst>
+                    </p:cTn>
+                  </p:par>
+                  <p:par>
+                    <p:cTn id="11" fill="hold">
+                      <p:stCondLst>
+                        <p:cond delay="indefinite"/>
+                      </p:stCondLst>
+                      <p:childTnLst>
+                        <p:par>
+                          <p:cTn id="12" fill="hold">
+                            <p:stCondLst>
+                              <p:cond delay="0"/>
+                            </p:stCondLst>
+                            <p:childTnLst>
+                              <p:par>
+                                <p:cTn id="13" presetID="16" presetClass="entr" presetSubtype="21" fill="hold" nodeType="clickEffect">
+                                  <p:stCondLst>
+                                    <p:cond delay="0"/>
+                                  </p:stCondLst>
+                                  <p:childTnLst>
+                                    <p:set>
+                                      <p:cBhvr>
+                                        <p:cTn id="14" dur="1" fill="hold">
+                                          <p:stCondLst>
+                                            <p:cond delay="0"/>
+                                          </p:stCondLst>
+                                        </p:cTn>
+                                        <p:tgtEl>
+                                          <p:spTgt spid="8"/>
+                                        </p:tgtEl>
+                                        <p:attrNameLst>
+                                          <p:attrName>style.visibility</p:attrName>
+                                        </p:attrNameLst>
+                                      </p:cBhvr>
+                                      <p:to>
+                                        <p:strVal val="visible"/>
+                                      </p:to>
+                                    </p:set>
+                                    <p:animEffect transition="in" filter="barn(inVertical)">
+                                      <p:cBhvr>
+                                        <p:cTn id="15" dur="500"/>
+                                        <p:tgtEl>
+                                          <p:spTgt spid="8"/>
+                                        </p:tgtEl>
+                                      </p:cBhvr>
+                                    </p:animEffect>
+                                  </p:childTnLst>
+                                </p:cTn>
+                              </p:par>
+                            </p:childTnLst>
+                          </p:cTn>
+                        </p:par>
+                      </p:childTnLst>
+                    </p:cTn>
+                  </p:par>
+                </p:childTnLst>
+              </p:cTn>
+              <p:prevCondLst>
+                <p:cond evt="onPrev" delay="0">
+                  <p:tgtEl>
+                    <p:sldTgt/>
+                  </p:tgtEl>
+                </p:cond>
+              </p:prevCondLst>
+              <p:nextCondLst>
+                <p:cond evt="onNext" delay="0">
+                  <p:tgtEl>
+                    <p:sldTgt/>
+                  </p:tgtEl>
+                </p:cond>
+              </p:nextCondLst>
+            </p:seq>
+          </p:childTnLst>
+        </p:cTn>
+      </p:par>
+    </p:tnLst>
+  </p:timing>
 </p:sld>
 </file>
 
@@ -6907,6 +8416,25 @@
   <p:clrMapOvr>
     <a:masterClrMapping/>
   </p:clrMapOvr>
+  <mc:AlternateContent xmlns:mc="http://schemas.openxmlformats.org/markup-compatibility/2006">
+    <mc:Choice xmlns:p14="http://schemas.microsoft.com/office/powerpoint/2010/main" Requires="p14">
+      <p:transition spd="med" p14:dur="700">
+        <p:push dir="u"/>
+      </p:transition>
+    </mc:Choice>
+    <mc:Fallback>
+      <p:transition spd="med">
+        <p:push dir="u"/>
+      </p:transition>
+    </mc:Fallback>
+  </mc:AlternateContent>
+  <p:timing>
+    <p:tnLst>
+      <p:par>
+        <p:cTn id="1" dur="indefinite" restart="never" nodeType="tmRoot"/>
+      </p:par>
+    </p:tnLst>
+  </p:timing>
 </p:sld>
 </file>
 
@@ -7015,6 +8543,25 @@
   <p:clrMapOvr>
     <a:masterClrMapping/>
   </p:clrMapOvr>
+  <mc:AlternateContent xmlns:mc="http://schemas.openxmlformats.org/markup-compatibility/2006">
+    <mc:Choice xmlns:p14="http://schemas.microsoft.com/office/powerpoint/2010/main" Requires="p14">
+      <p:transition spd="med" p14:dur="700">
+        <p:push dir="u"/>
+      </p:transition>
+    </mc:Choice>
+    <mc:Fallback>
+      <p:transition spd="med">
+        <p:push dir="u"/>
+      </p:transition>
+    </mc:Fallback>
+  </mc:AlternateContent>
+  <p:timing>
+    <p:tnLst>
+      <p:par>
+        <p:cTn id="1" dur="indefinite" restart="never" nodeType="tmRoot"/>
+      </p:par>
+    </p:tnLst>
+  </p:timing>
 </p:sld>
 </file>
 
@@ -7163,6 +8710,25 @@
   <p:clrMapOvr>
     <a:masterClrMapping/>
   </p:clrMapOvr>
+  <mc:AlternateContent xmlns:mc="http://schemas.openxmlformats.org/markup-compatibility/2006">
+    <mc:Choice xmlns:p14="http://schemas.microsoft.com/office/powerpoint/2010/main" Requires="p14">
+      <p:transition spd="med" p14:dur="700">
+        <p:push dir="u"/>
+      </p:transition>
+    </mc:Choice>
+    <mc:Fallback>
+      <p:transition spd="med">
+        <p:push dir="u"/>
+      </p:transition>
+    </mc:Fallback>
+  </mc:AlternateContent>
+  <p:timing>
+    <p:tnLst>
+      <p:par>
+        <p:cTn id="1" dur="indefinite" restart="never" nodeType="tmRoot"/>
+      </p:par>
+    </p:tnLst>
+  </p:timing>
 </p:sld>
 </file>
 
@@ -7251,6 +8817,25 @@
   <p:clrMapOvr>
     <a:masterClrMapping/>
   </p:clrMapOvr>
+  <mc:AlternateContent xmlns:mc="http://schemas.openxmlformats.org/markup-compatibility/2006">
+    <mc:Choice xmlns:p14="http://schemas.microsoft.com/office/powerpoint/2010/main" Requires="p14">
+      <p:transition spd="med" p14:dur="700">
+        <p:push dir="u"/>
+      </p:transition>
+    </mc:Choice>
+    <mc:Fallback>
+      <p:transition spd="med">
+        <p:push dir="u"/>
+      </p:transition>
+    </mc:Fallback>
+  </mc:AlternateContent>
+  <p:timing>
+    <p:tnLst>
+      <p:par>
+        <p:cTn id="1" dur="indefinite" restart="never" nodeType="tmRoot"/>
+      </p:par>
+    </p:tnLst>
+  </p:timing>
 </p:sld>
 </file>
 

--- a/Az Android.pptx
+++ b/Az Android.pptx
@@ -305,7 +305,7 @@
           <a:p>
             <a:fld id="{3EFC9BCE-9225-4733-B841-96AACF0B58A0}" type="datetimeFigureOut">
               <a:rPr lang="hu-HU" smtClean="0"/>
-              <a:t>2022.09.20.</a:t>
+              <a:t>2022.09.21.</a:t>
             </a:fld>
             <a:endParaRPr lang="hu-HU"/>
           </a:p>
@@ -406,13 +406,13 @@
   <p:clrMapOvr>
     <a:masterClrMapping/>
   </p:clrMapOvr>
-  <mc:AlternateContent xmlns:mc="http://schemas.openxmlformats.org/markup-compatibility/2006">
-    <mc:Choice xmlns:p14="http://schemas.microsoft.com/office/powerpoint/2010/main" Requires="p14">
+  <mc:AlternateContent xmlns:mc="http://schemas.openxmlformats.org/markup-compatibility/2006" xmlns:p14="http://schemas.microsoft.com/office/powerpoint/2010/main">
+    <mc:Choice Requires="p14">
       <p:transition spd="med" p14:dur="700">
         <p:push dir="u"/>
       </p:transition>
     </mc:Choice>
-    <mc:Fallback>
+    <mc:Fallback xmlns="">
       <p:transition spd="med">
         <p:push dir="u"/>
       </p:transition>
@@ -642,7 +642,7 @@
           <a:p>
             <a:fld id="{3EFC9BCE-9225-4733-B841-96AACF0B58A0}" type="datetimeFigureOut">
               <a:rPr lang="hu-HU" smtClean="0"/>
-              <a:t>2022.09.20.</a:t>
+              <a:t>2022.09.21.</a:t>
             </a:fld>
             <a:endParaRPr lang="hu-HU"/>
           </a:p>
@@ -700,13 +700,13 @@
   <p:clrMapOvr>
     <a:masterClrMapping/>
   </p:clrMapOvr>
-  <mc:AlternateContent xmlns:mc="http://schemas.openxmlformats.org/markup-compatibility/2006">
-    <mc:Choice xmlns:p14="http://schemas.microsoft.com/office/powerpoint/2010/main" Requires="p14">
+  <mc:AlternateContent xmlns:mc="http://schemas.openxmlformats.org/markup-compatibility/2006" xmlns:p14="http://schemas.microsoft.com/office/powerpoint/2010/main">
+    <mc:Choice Requires="p14">
       <p:transition spd="med" p14:dur="700">
         <p:push dir="u"/>
       </p:transition>
     </mc:Choice>
-    <mc:Fallback>
+    <mc:Fallback xmlns="">
       <p:transition spd="med">
         <p:push dir="u"/>
       </p:transition>
@@ -848,7 +848,7 @@
           <a:p>
             <a:fld id="{3EFC9BCE-9225-4733-B841-96AACF0B58A0}" type="datetimeFigureOut">
               <a:rPr lang="hu-HU" smtClean="0"/>
-              <a:t>2022.09.20.</a:t>
+              <a:t>2022.09.21.</a:t>
             </a:fld>
             <a:endParaRPr lang="hu-HU"/>
           </a:p>
@@ -906,13 +906,13 @@
   <p:clrMapOvr>
     <a:masterClrMapping/>
   </p:clrMapOvr>
-  <mc:AlternateContent xmlns:mc="http://schemas.openxmlformats.org/markup-compatibility/2006">
-    <mc:Choice xmlns:p14="http://schemas.microsoft.com/office/powerpoint/2010/main" Requires="p14">
+  <mc:AlternateContent xmlns:mc="http://schemas.openxmlformats.org/markup-compatibility/2006" xmlns:p14="http://schemas.microsoft.com/office/powerpoint/2010/main">
+    <mc:Choice Requires="p14">
       <p:transition spd="med" p14:dur="700">
         <p:push dir="u"/>
       </p:transition>
     </mc:Choice>
-    <mc:Fallback>
+    <mc:Fallback xmlns="">
       <p:transition spd="med">
         <p:push dir="u"/>
       </p:transition>
@@ -1133,7 +1133,7 @@
           <a:p>
             <a:fld id="{3EFC9BCE-9225-4733-B841-96AACF0B58A0}" type="datetimeFigureOut">
               <a:rPr lang="hu-HU" smtClean="0"/>
-              <a:t>2022.09.20.</a:t>
+              <a:t>2022.09.21.</a:t>
             </a:fld>
             <a:endParaRPr lang="hu-HU"/>
           </a:p>
@@ -1285,13 +1285,13 @@
   <p:clrMapOvr>
     <a:masterClrMapping/>
   </p:clrMapOvr>
-  <mc:AlternateContent xmlns:mc="http://schemas.openxmlformats.org/markup-compatibility/2006">
-    <mc:Choice xmlns:p14="http://schemas.microsoft.com/office/powerpoint/2010/main" Requires="p14">
+  <mc:AlternateContent xmlns:mc="http://schemas.openxmlformats.org/markup-compatibility/2006" xmlns:p14="http://schemas.microsoft.com/office/powerpoint/2010/main">
+    <mc:Choice Requires="p14">
       <p:transition spd="med" p14:dur="700">
         <p:push dir="u"/>
       </p:transition>
     </mc:Choice>
-    <mc:Fallback>
+    <mc:Fallback xmlns="">
       <p:transition spd="med">
         <p:push dir="u"/>
       </p:transition>
@@ -1486,7 +1486,7 @@
           <a:p>
             <a:fld id="{3EFC9BCE-9225-4733-B841-96AACF0B58A0}" type="datetimeFigureOut">
               <a:rPr lang="hu-HU" smtClean="0"/>
-              <a:t>2022.09.20.</a:t>
+              <a:t>2022.09.21.</a:t>
             </a:fld>
             <a:endParaRPr lang="hu-HU"/>
           </a:p>
@@ -1544,13 +1544,13 @@
   <p:clrMapOvr>
     <a:masterClrMapping/>
   </p:clrMapOvr>
-  <mc:AlternateContent xmlns:mc="http://schemas.openxmlformats.org/markup-compatibility/2006">
-    <mc:Choice xmlns:p14="http://schemas.microsoft.com/office/powerpoint/2010/main" Requires="p14">
+  <mc:AlternateContent xmlns:mc="http://schemas.openxmlformats.org/markup-compatibility/2006" xmlns:p14="http://schemas.microsoft.com/office/powerpoint/2010/main">
+    <mc:Choice Requires="p14">
       <p:transition spd="med" p14:dur="700">
         <p:push dir="u"/>
       </p:transition>
     </mc:Choice>
-    <mc:Fallback>
+    <mc:Fallback xmlns="">
       <p:transition spd="med">
         <p:push dir="u"/>
       </p:transition>
@@ -2121,7 +2121,7 @@
           <a:p>
             <a:fld id="{3EFC9BCE-9225-4733-B841-96AACF0B58A0}" type="datetimeFigureOut">
               <a:rPr lang="hu-HU" smtClean="0"/>
-              <a:t>2022.09.20.</a:t>
+              <a:t>2022.09.21.</a:t>
             </a:fld>
             <a:endParaRPr lang="hu-HU"/>
           </a:p>
@@ -2179,13 +2179,13 @@
   <p:clrMapOvr>
     <a:masterClrMapping/>
   </p:clrMapOvr>
-  <mc:AlternateContent xmlns:mc="http://schemas.openxmlformats.org/markup-compatibility/2006">
-    <mc:Choice xmlns:p14="http://schemas.microsoft.com/office/powerpoint/2010/main" Requires="p14">
+  <mc:AlternateContent xmlns:mc="http://schemas.openxmlformats.org/markup-compatibility/2006" xmlns:p14="http://schemas.microsoft.com/office/powerpoint/2010/main">
+    <mc:Choice Requires="p14">
       <p:transition spd="med" p14:dur="700">
         <p:push dir="u"/>
       </p:transition>
     </mc:Choice>
-    <mc:Fallback>
+    <mc:Fallback xmlns="">
       <p:transition spd="med">
         <p:push dir="u"/>
       </p:transition>
@@ -2993,7 +2993,7 @@
           <a:p>
             <a:fld id="{3EFC9BCE-9225-4733-B841-96AACF0B58A0}" type="datetimeFigureOut">
               <a:rPr lang="hu-HU" smtClean="0"/>
-              <a:t>2022.09.20.</a:t>
+              <a:t>2022.09.21.</a:t>
             </a:fld>
             <a:endParaRPr lang="hu-HU"/>
           </a:p>
@@ -3051,13 +3051,13 @@
   <p:clrMapOvr>
     <a:masterClrMapping/>
   </p:clrMapOvr>
-  <mc:AlternateContent xmlns:mc="http://schemas.openxmlformats.org/markup-compatibility/2006">
-    <mc:Choice xmlns:p14="http://schemas.microsoft.com/office/powerpoint/2010/main" Requires="p14">
+  <mc:AlternateContent xmlns:mc="http://schemas.openxmlformats.org/markup-compatibility/2006" xmlns:p14="http://schemas.microsoft.com/office/powerpoint/2010/main">
+    <mc:Choice Requires="p14">
       <p:transition spd="med" p14:dur="700">
         <p:push dir="u"/>
       </p:transition>
     </mc:Choice>
-    <mc:Fallback>
+    <mc:Fallback xmlns="">
       <p:transition spd="med">
         <p:push dir="u"/>
       </p:transition>
@@ -3175,7 +3175,7 @@
           <a:p>
             <a:fld id="{3EFC9BCE-9225-4733-B841-96AACF0B58A0}" type="datetimeFigureOut">
               <a:rPr lang="hu-HU" smtClean="0"/>
-              <a:t>2022.09.20.</a:t>
+              <a:t>2022.09.21.</a:t>
             </a:fld>
             <a:endParaRPr lang="hu-HU"/>
           </a:p>
@@ -3233,13 +3233,13 @@
   <p:clrMapOvr>
     <a:masterClrMapping/>
   </p:clrMapOvr>
-  <mc:AlternateContent xmlns:mc="http://schemas.openxmlformats.org/markup-compatibility/2006">
-    <mc:Choice xmlns:p14="http://schemas.microsoft.com/office/powerpoint/2010/main" Requires="p14">
+  <mc:AlternateContent xmlns:mc="http://schemas.openxmlformats.org/markup-compatibility/2006" xmlns:p14="http://schemas.microsoft.com/office/powerpoint/2010/main">
+    <mc:Choice Requires="p14">
       <p:transition spd="med" p14:dur="700">
         <p:push dir="u"/>
       </p:transition>
     </mc:Choice>
-    <mc:Fallback>
+    <mc:Fallback xmlns="">
       <p:transition spd="med">
         <p:push dir="u"/>
       </p:transition>
@@ -3367,7 +3367,7 @@
           <a:p>
             <a:fld id="{3EFC9BCE-9225-4733-B841-96AACF0B58A0}" type="datetimeFigureOut">
               <a:rPr lang="hu-HU" smtClean="0"/>
-              <a:t>2022.09.20.</a:t>
+              <a:t>2022.09.21.</a:t>
             </a:fld>
             <a:endParaRPr lang="hu-HU"/>
           </a:p>
@@ -3425,13 +3425,13 @@
   <p:clrMapOvr>
     <a:masterClrMapping/>
   </p:clrMapOvr>
-  <mc:AlternateContent xmlns:mc="http://schemas.openxmlformats.org/markup-compatibility/2006">
-    <mc:Choice xmlns:p14="http://schemas.microsoft.com/office/powerpoint/2010/main" Requires="p14">
+  <mc:AlternateContent xmlns:mc="http://schemas.openxmlformats.org/markup-compatibility/2006" xmlns:p14="http://schemas.microsoft.com/office/powerpoint/2010/main">
+    <mc:Choice Requires="p14">
       <p:transition spd="med" p14:dur="700">
         <p:push dir="u"/>
       </p:transition>
     </mc:Choice>
-    <mc:Fallback>
+    <mc:Fallback xmlns="">
       <p:transition spd="med">
         <p:push dir="u"/>
       </p:transition>
@@ -3549,7 +3549,7 @@
           <a:p>
             <a:fld id="{3EFC9BCE-9225-4733-B841-96AACF0B58A0}" type="datetimeFigureOut">
               <a:rPr lang="hu-HU" smtClean="0"/>
-              <a:t>2022.09.20.</a:t>
+              <a:t>2022.09.21.</a:t>
             </a:fld>
             <a:endParaRPr lang="hu-HU"/>
           </a:p>
@@ -3607,13 +3607,13 @@
   <p:clrMapOvr>
     <a:masterClrMapping/>
   </p:clrMapOvr>
-  <mc:AlternateContent xmlns:mc="http://schemas.openxmlformats.org/markup-compatibility/2006">
-    <mc:Choice xmlns:p14="http://schemas.microsoft.com/office/powerpoint/2010/main" Requires="p14">
+  <mc:AlternateContent xmlns:mc="http://schemas.openxmlformats.org/markup-compatibility/2006" xmlns:p14="http://schemas.microsoft.com/office/powerpoint/2010/main">
+    <mc:Choice Requires="p14">
       <p:transition spd="med" p14:dur="700">
         <p:push dir="u"/>
       </p:transition>
     </mc:Choice>
-    <mc:Fallback>
+    <mc:Fallback xmlns="">
       <p:transition spd="med">
         <p:push dir="u"/>
       </p:transition>
@@ -3808,7 +3808,7 @@
           <a:p>
             <a:fld id="{3EFC9BCE-9225-4733-B841-96AACF0B58A0}" type="datetimeFigureOut">
               <a:rPr lang="hu-HU" smtClean="0"/>
-              <a:t>2022.09.20.</a:t>
+              <a:t>2022.09.21.</a:t>
             </a:fld>
             <a:endParaRPr lang="hu-HU"/>
           </a:p>
@@ -3866,13 +3866,13 @@
   <p:clrMapOvr>
     <a:masterClrMapping/>
   </p:clrMapOvr>
-  <mc:AlternateContent xmlns:mc="http://schemas.openxmlformats.org/markup-compatibility/2006">
-    <mc:Choice xmlns:p14="http://schemas.microsoft.com/office/powerpoint/2010/main" Requires="p14">
+  <mc:AlternateContent xmlns:mc="http://schemas.openxmlformats.org/markup-compatibility/2006" xmlns:p14="http://schemas.microsoft.com/office/powerpoint/2010/main">
+    <mc:Choice Requires="p14">
       <p:transition spd="med" p14:dur="700">
         <p:push dir="u"/>
       </p:transition>
     </mc:Choice>
-    <mc:Fallback>
+    <mc:Fallback xmlns="">
       <p:transition spd="med">
         <p:push dir="u"/>
       </p:transition>
@@ -4112,7 +4112,7 @@
           <a:p>
             <a:fld id="{3EFC9BCE-9225-4733-B841-96AACF0B58A0}" type="datetimeFigureOut">
               <a:rPr lang="hu-HU" smtClean="0"/>
-              <a:t>2022.09.20.</a:t>
+              <a:t>2022.09.21.</a:t>
             </a:fld>
             <a:endParaRPr lang="hu-HU"/>
           </a:p>
@@ -4170,13 +4170,13 @@
   <p:clrMapOvr>
     <a:masterClrMapping/>
   </p:clrMapOvr>
-  <mc:AlternateContent xmlns:mc="http://schemas.openxmlformats.org/markup-compatibility/2006">
-    <mc:Choice xmlns:p14="http://schemas.microsoft.com/office/powerpoint/2010/main" Requires="p14">
+  <mc:AlternateContent xmlns:mc="http://schemas.openxmlformats.org/markup-compatibility/2006" xmlns:p14="http://schemas.microsoft.com/office/powerpoint/2010/main">
+    <mc:Choice Requires="p14">
       <p:transition spd="med" p14:dur="700">
         <p:push dir="u"/>
       </p:transition>
     </mc:Choice>
-    <mc:Fallback>
+    <mc:Fallback xmlns="">
       <p:transition spd="med">
         <p:push dir="u"/>
       </p:transition>
@@ -4568,7 +4568,7 @@
           <a:p>
             <a:fld id="{3EFC9BCE-9225-4733-B841-96AACF0B58A0}" type="datetimeFigureOut">
               <a:rPr lang="hu-HU" smtClean="0"/>
-              <a:t>2022.09.20.</a:t>
+              <a:t>2022.09.21.</a:t>
             </a:fld>
             <a:endParaRPr lang="hu-HU"/>
           </a:p>
@@ -4626,13 +4626,13 @@
   <p:clrMapOvr>
     <a:masterClrMapping/>
   </p:clrMapOvr>
-  <mc:AlternateContent xmlns:mc="http://schemas.openxmlformats.org/markup-compatibility/2006">
-    <mc:Choice xmlns:p14="http://schemas.microsoft.com/office/powerpoint/2010/main" Requires="p14">
+  <mc:AlternateContent xmlns:mc="http://schemas.openxmlformats.org/markup-compatibility/2006" xmlns:p14="http://schemas.microsoft.com/office/powerpoint/2010/main">
+    <mc:Choice Requires="p14">
       <p:transition spd="med" p14:dur="700">
         <p:push dir="u"/>
       </p:transition>
     </mc:Choice>
-    <mc:Fallback>
+    <mc:Fallback xmlns="">
       <p:transition spd="med">
         <p:push dir="u"/>
       </p:transition>
@@ -4698,7 +4698,7 @@
           <a:p>
             <a:fld id="{3EFC9BCE-9225-4733-B841-96AACF0B58A0}" type="datetimeFigureOut">
               <a:rPr lang="hu-HU" smtClean="0"/>
-              <a:t>2022.09.20.</a:t>
+              <a:t>2022.09.21.</a:t>
             </a:fld>
             <a:endParaRPr lang="hu-HU"/>
           </a:p>
@@ -4756,13 +4756,13 @@
   <p:clrMapOvr>
     <a:masterClrMapping/>
   </p:clrMapOvr>
-  <mc:AlternateContent xmlns:mc="http://schemas.openxmlformats.org/markup-compatibility/2006">
-    <mc:Choice xmlns:p14="http://schemas.microsoft.com/office/powerpoint/2010/main" Requires="p14">
+  <mc:AlternateContent xmlns:mc="http://schemas.openxmlformats.org/markup-compatibility/2006" xmlns:p14="http://schemas.microsoft.com/office/powerpoint/2010/main">
+    <mc:Choice Requires="p14">
       <p:transition spd="med" p14:dur="700">
         <p:push dir="u"/>
       </p:transition>
     </mc:Choice>
-    <mc:Fallback>
+    <mc:Fallback xmlns="">
       <p:transition spd="med">
         <p:push dir="u"/>
       </p:transition>
@@ -4805,7 +4805,7 @@
           <a:p>
             <a:fld id="{3EFC9BCE-9225-4733-B841-96AACF0B58A0}" type="datetimeFigureOut">
               <a:rPr lang="hu-HU" smtClean="0"/>
-              <a:t>2022.09.20.</a:t>
+              <a:t>2022.09.21.</a:t>
             </a:fld>
             <a:endParaRPr lang="hu-HU"/>
           </a:p>
@@ -4863,13 +4863,13 @@
   <p:clrMapOvr>
     <a:masterClrMapping/>
   </p:clrMapOvr>
-  <mc:AlternateContent xmlns:mc="http://schemas.openxmlformats.org/markup-compatibility/2006">
-    <mc:Choice xmlns:p14="http://schemas.microsoft.com/office/powerpoint/2010/main" Requires="p14">
+  <mc:AlternateContent xmlns:mc="http://schemas.openxmlformats.org/markup-compatibility/2006" xmlns:p14="http://schemas.microsoft.com/office/powerpoint/2010/main">
+    <mc:Choice Requires="p14">
       <p:transition spd="med" p14:dur="700">
         <p:push dir="u"/>
       </p:transition>
     </mc:Choice>
-    <mc:Fallback>
+    <mc:Fallback xmlns="">
       <p:transition spd="med">
         <p:push dir="u"/>
       </p:transition>
@@ -5096,7 +5096,7 @@
           <a:p>
             <a:fld id="{3EFC9BCE-9225-4733-B841-96AACF0B58A0}" type="datetimeFigureOut">
               <a:rPr lang="hu-HU" smtClean="0"/>
-              <a:t>2022.09.20.</a:t>
+              <a:t>2022.09.21.</a:t>
             </a:fld>
             <a:endParaRPr lang="hu-HU"/>
           </a:p>
@@ -5154,13 +5154,13 @@
   <p:clrMapOvr>
     <a:masterClrMapping/>
   </p:clrMapOvr>
-  <mc:AlternateContent xmlns:mc="http://schemas.openxmlformats.org/markup-compatibility/2006">
-    <mc:Choice xmlns:p14="http://schemas.microsoft.com/office/powerpoint/2010/main" Requires="p14">
+  <mc:AlternateContent xmlns:mc="http://schemas.openxmlformats.org/markup-compatibility/2006" xmlns:p14="http://schemas.microsoft.com/office/powerpoint/2010/main">
+    <mc:Choice Requires="p14">
       <p:transition spd="med" p14:dur="700">
         <p:push dir="u"/>
       </p:transition>
     </mc:Choice>
-    <mc:Fallback>
+    <mc:Fallback xmlns="">
       <p:transition spd="med">
         <p:push dir="u"/>
       </p:transition>
@@ -5383,7 +5383,7 @@
           <a:p>
             <a:fld id="{3EFC9BCE-9225-4733-B841-96AACF0B58A0}" type="datetimeFigureOut">
               <a:rPr lang="hu-HU" smtClean="0"/>
-              <a:t>2022.09.20.</a:t>
+              <a:t>2022.09.21.</a:t>
             </a:fld>
             <a:endParaRPr lang="hu-HU"/>
           </a:p>
@@ -5441,13 +5441,13 @@
   <p:clrMapOvr>
     <a:masterClrMapping/>
   </p:clrMapOvr>
-  <mc:AlternateContent xmlns:mc="http://schemas.openxmlformats.org/markup-compatibility/2006">
-    <mc:Choice xmlns:p14="http://schemas.microsoft.com/office/powerpoint/2010/main" Requires="p14">
+  <mc:AlternateContent xmlns:mc="http://schemas.openxmlformats.org/markup-compatibility/2006" xmlns:p14="http://schemas.microsoft.com/office/powerpoint/2010/main">
+    <mc:Choice Requires="p14">
       <p:transition spd="med" p14:dur="700">
         <p:push dir="u"/>
       </p:transition>
     </mc:Choice>
-    <mc:Fallback>
+    <mc:Fallback xmlns="">
       <p:transition spd="med">
         <p:push dir="u"/>
       </p:transition>
@@ -5824,7 +5824,7 @@
           <a:p>
             <a:fld id="{3EFC9BCE-9225-4733-B841-96AACF0B58A0}" type="datetimeFigureOut">
               <a:rPr lang="hu-HU" smtClean="0"/>
-              <a:t>2022.09.20.</a:t>
+              <a:t>2022.09.21.</a:t>
             </a:fld>
             <a:endParaRPr lang="hu-HU"/>
           </a:p>
@@ -5979,13 +5979,13 @@
     <p:sldLayoutId id="2147483676" r:id="rId16"/>
     <p:sldLayoutId id="2147483677" r:id="rId17"/>
   </p:sldLayoutIdLst>
-  <mc:AlternateContent xmlns:mc="http://schemas.openxmlformats.org/markup-compatibility/2006">
-    <mc:Choice xmlns:p14="http://schemas.microsoft.com/office/powerpoint/2010/main" Requires="p14">
+  <mc:AlternateContent xmlns:mc="http://schemas.openxmlformats.org/markup-compatibility/2006" xmlns:p14="http://schemas.microsoft.com/office/powerpoint/2010/main">
+    <mc:Choice Requires="p14">
       <p:transition spd="med" p14:dur="700">
         <p:push dir="u"/>
       </p:transition>
     </mc:Choice>
-    <mc:Fallback>
+    <mc:Fallback xmlns="">
       <p:transition spd="med">
         <p:push dir="u"/>
       </p:transition>
@@ -7491,13 +7491,13 @@
   <p:clrMapOvr>
     <a:masterClrMapping/>
   </p:clrMapOvr>
-  <mc:AlternateContent xmlns:mc="http://schemas.openxmlformats.org/markup-compatibility/2006">
-    <mc:Choice xmlns:p14="http://schemas.microsoft.com/office/powerpoint/2010/main" Requires="p14">
+  <mc:AlternateContent xmlns:mc="http://schemas.openxmlformats.org/markup-compatibility/2006" xmlns:p14="http://schemas.microsoft.com/office/powerpoint/2010/main">
+    <mc:Choice Requires="p14">
       <p:transition spd="med" p14:dur="700">
         <p:push dir="u"/>
       </p:transition>
     </mc:Choice>
-    <mc:Fallback>
+    <mc:Fallback xmlns="">
       <p:transition spd="med">
         <p:push dir="u"/>
       </p:transition>
@@ -7641,13 +7641,13 @@
   <p:clrMapOvr>
     <a:masterClrMapping/>
   </p:clrMapOvr>
-  <mc:AlternateContent xmlns:mc="http://schemas.openxmlformats.org/markup-compatibility/2006">
-    <mc:Choice xmlns:p14="http://schemas.microsoft.com/office/powerpoint/2010/main" Requires="p14">
+  <mc:AlternateContent xmlns:mc="http://schemas.openxmlformats.org/markup-compatibility/2006" xmlns:p14="http://schemas.microsoft.com/office/powerpoint/2010/main">
+    <mc:Choice Requires="p14">
       <p:transition spd="med" p14:dur="700">
         <p:push dir="u"/>
       </p:transition>
     </mc:Choice>
-    <mc:Fallback>
+    <mc:Fallback xmlns="">
       <p:transition spd="med">
         <p:push dir="u"/>
       </p:transition>
@@ -7769,7 +7769,7 @@
             </a:r>
             <a:r>
               <a:rPr lang="hu-HU" dirty="0" smtClean="0"/>
-              <a:t>13-es</a:t>
+              <a:t>13-as</a:t>
             </a:r>
             <a:endParaRPr lang="hu-HU" dirty="0" smtClean="0"/>
           </a:p>
@@ -7828,13 +7828,13 @@
   <p:clrMapOvr>
     <a:masterClrMapping/>
   </p:clrMapOvr>
-  <mc:AlternateContent xmlns:mc="http://schemas.openxmlformats.org/markup-compatibility/2006">
-    <mc:Choice xmlns:p14="http://schemas.microsoft.com/office/powerpoint/2010/main" Requires="p14">
+  <mc:AlternateContent xmlns:mc="http://schemas.openxmlformats.org/markup-compatibility/2006" xmlns:p14="http://schemas.microsoft.com/office/powerpoint/2010/main">
+    <mc:Choice Requires="p14">
       <p:transition spd="med" p14:dur="700">
         <p:push dir="u"/>
       </p:transition>
     </mc:Choice>
-    <mc:Fallback>
+    <mc:Fallback xmlns="">
       <p:transition spd="med">
         <p:push dir="u"/>
       </p:transition>
@@ -7989,23 +7989,38 @@
           <a:p>
             <a:r>
               <a:rPr lang="hu-HU" dirty="0" smtClean="0"/>
-              <a:t>Főbb </a:t>
-            </a:r>
-            <a:r>
-              <a:rPr lang="hu-HU" dirty="0" smtClean="0"/>
-              <a:t>gyártók</a:t>
-            </a:r>
-            <a:r>
-              <a:rPr lang="hu-HU" dirty="0" smtClean="0"/>
-              <a:t>: </a:t>
-            </a:r>
-            <a:r>
-              <a:rPr lang="hu-HU" dirty="0" smtClean="0"/>
-              <a:t>Samsung, </a:t>
+              <a:t>Főbb gyártók: Samsung, </a:t>
             </a:r>
             <a:r>
               <a:rPr lang="hu-HU" dirty="0" err="1" smtClean="0"/>
               <a:t>Xiaomi</a:t>
+            </a:r>
+            <a:endParaRPr lang="hu-HU" dirty="0" smtClean="0"/>
+          </a:p>
+          <a:p>
+            <a:r>
+              <a:rPr lang="hu-HU" dirty="0" smtClean="0"/>
+              <a:t>Egyéb telefonok: </a:t>
+            </a:r>
+            <a:r>
+              <a:rPr lang="hu-HU" dirty="0" err="1" smtClean="0"/>
+              <a:t>Huawei</a:t>
+            </a:r>
+            <a:r>
+              <a:rPr lang="hu-HU" dirty="0" smtClean="0"/>
+              <a:t>, </a:t>
+            </a:r>
+            <a:r>
+              <a:rPr lang="hu-HU" dirty="0" err="1" smtClean="0"/>
+              <a:t>Honor</a:t>
+            </a:r>
+            <a:r>
+              <a:rPr lang="hu-HU" dirty="0" smtClean="0"/>
+              <a:t>, </a:t>
+            </a:r>
+            <a:r>
+              <a:rPr lang="hu-HU" dirty="0" err="1" smtClean="0"/>
+              <a:t>Asus</a:t>
             </a:r>
             <a:endParaRPr lang="hu-HU" dirty="0" smtClean="0"/>
           </a:p>
@@ -8045,7 +8060,7 @@
         </p:blipFill>
         <p:spPr>
           <a:xfrm>
-            <a:off x="5440738" y="2930475"/>
+            <a:off x="5576582" y="3155081"/>
             <a:ext cx="4284000" cy="4284000"/>
           </a:xfrm>
           <a:prstGeom prst="rect">
@@ -8105,13 +8120,13 @@
   <p:clrMapOvr>
     <a:masterClrMapping/>
   </p:clrMapOvr>
-  <mc:AlternateContent xmlns:mc="http://schemas.openxmlformats.org/markup-compatibility/2006">
-    <mc:Choice xmlns:p14="http://schemas.microsoft.com/office/powerpoint/2010/main" Requires="p14">
+  <mc:AlternateContent xmlns:mc="http://schemas.openxmlformats.org/markup-compatibility/2006" xmlns:p14="http://schemas.microsoft.com/office/powerpoint/2010/main">
+    <mc:Choice Requires="p14">
       <p:transition spd="med" p14:dur="700">
         <p:push dir="u"/>
       </p:transition>
     </mc:Choice>
-    <mc:Fallback>
+    <mc:Fallback xmlns="">
       <p:transition spd="med">
         <p:push dir="u"/>
       </p:transition>
@@ -8416,13 +8431,13 @@
   <p:clrMapOvr>
     <a:masterClrMapping/>
   </p:clrMapOvr>
-  <mc:AlternateContent xmlns:mc="http://schemas.openxmlformats.org/markup-compatibility/2006">
-    <mc:Choice xmlns:p14="http://schemas.microsoft.com/office/powerpoint/2010/main" Requires="p14">
+  <mc:AlternateContent xmlns:mc="http://schemas.openxmlformats.org/markup-compatibility/2006" xmlns:p14="http://schemas.microsoft.com/office/powerpoint/2010/main">
+    <mc:Choice Requires="p14">
       <p:transition spd="med" p14:dur="700">
         <p:push dir="u"/>
       </p:transition>
     </mc:Choice>
-    <mc:Fallback>
+    <mc:Fallback xmlns="">
       <p:transition spd="med">
         <p:push dir="u"/>
       </p:transition>
@@ -8543,13 +8558,13 @@
   <p:clrMapOvr>
     <a:masterClrMapping/>
   </p:clrMapOvr>
-  <mc:AlternateContent xmlns:mc="http://schemas.openxmlformats.org/markup-compatibility/2006">
-    <mc:Choice xmlns:p14="http://schemas.microsoft.com/office/powerpoint/2010/main" Requires="p14">
+  <mc:AlternateContent xmlns:mc="http://schemas.openxmlformats.org/markup-compatibility/2006" xmlns:p14="http://schemas.microsoft.com/office/powerpoint/2010/main">
+    <mc:Choice Requires="p14">
       <p:transition spd="med" p14:dur="700">
         <p:push dir="u"/>
       </p:transition>
     </mc:Choice>
-    <mc:Fallback>
+    <mc:Fallback xmlns="">
       <p:transition spd="med">
         <p:push dir="u"/>
       </p:transition>
@@ -8710,13 +8725,13 @@
   <p:clrMapOvr>
     <a:masterClrMapping/>
   </p:clrMapOvr>
-  <mc:AlternateContent xmlns:mc="http://schemas.openxmlformats.org/markup-compatibility/2006">
-    <mc:Choice xmlns:p14="http://schemas.microsoft.com/office/powerpoint/2010/main" Requires="p14">
+  <mc:AlternateContent xmlns:mc="http://schemas.openxmlformats.org/markup-compatibility/2006" xmlns:p14="http://schemas.microsoft.com/office/powerpoint/2010/main">
+    <mc:Choice Requires="p14">
       <p:transition spd="med" p14:dur="700">
         <p:push dir="u"/>
       </p:transition>
     </mc:Choice>
-    <mc:Fallback>
+    <mc:Fallback xmlns="">
       <p:transition spd="med">
         <p:push dir="u"/>
       </p:transition>
@@ -8817,13 +8832,13 @@
   <p:clrMapOvr>
     <a:masterClrMapping/>
   </p:clrMapOvr>
-  <mc:AlternateContent xmlns:mc="http://schemas.openxmlformats.org/markup-compatibility/2006">
-    <mc:Choice xmlns:p14="http://schemas.microsoft.com/office/powerpoint/2010/main" Requires="p14">
+  <mc:AlternateContent xmlns:mc="http://schemas.openxmlformats.org/markup-compatibility/2006" xmlns:p14="http://schemas.microsoft.com/office/powerpoint/2010/main">
+    <mc:Choice Requires="p14">
       <p:transition spd="med" p14:dur="700">
         <p:push dir="u"/>
       </p:transition>
     </mc:Choice>
-    <mc:Fallback>
+    <mc:Fallback xmlns="">
       <p:transition spd="med">
         <p:push dir="u"/>
       </p:transition>

--- a/Az Android.pptx
+++ b/Az Android.pptx
@@ -7765,13 +7765,8 @@
           <a:p>
             <a:r>
               <a:rPr lang="hu-HU" dirty="0" smtClean="0"/>
-              <a:t>Folyamatos fejlesztés, legújabb a </a:t>
-            </a:r>
-            <a:r>
-              <a:rPr lang="hu-HU" dirty="0" smtClean="0"/>
-              <a:t>13-as</a:t>
-            </a:r>
-            <a:endParaRPr lang="hu-HU" dirty="0" smtClean="0"/>
+              <a:t>Folyamatos fejlesztés, legújabb a 13-as</a:t>
+            </a:r>
           </a:p>
           <a:p>
             <a:endParaRPr lang="hu-HU" dirty="0"/>

--- a/Az Android.pptx
+++ b/Az Android.pptx
@@ -11,8 +11,9 @@
     <p:sldId id="259" r:id="rId5"/>
     <p:sldId id="260" r:id="rId6"/>
     <p:sldId id="261" r:id="rId7"/>
-    <p:sldId id="262" r:id="rId8"/>
-    <p:sldId id="263" r:id="rId9"/>
+    <p:sldId id="264" r:id="rId8"/>
+    <p:sldId id="262" r:id="rId9"/>
+    <p:sldId id="263" r:id="rId10"/>
   </p:sldIdLst>
   <p:sldSz cx="12192000" cy="6858000"/>
   <p:notesSz cx="6858000" cy="9144000"/>
@@ -8608,6 +8609,90 @@
           <a:lstStyle/>
           <a:p>
             <a:r>
+              <a:rPr lang="hu-HU" smtClean="0"/>
+              <a:t>Statisztikák</a:t>
+            </a:r>
+            <a:endParaRPr lang="hu-HU"/>
+          </a:p>
+        </p:txBody>
+      </p:sp>
+      <p:sp>
+        <p:nvSpPr>
+          <p:cNvPr id="3" name="Tartalom helye 2"/>
+          <p:cNvSpPr>
+            <a:spLocks noGrp="1"/>
+          </p:cNvSpPr>
+          <p:nvPr>
+            <p:ph idx="1"/>
+          </p:nvPr>
+        </p:nvSpPr>
+        <p:spPr/>
+        <p:txBody>
+          <a:bodyPr/>
+          <a:lstStyle/>
+          <a:p>
+            <a:endParaRPr lang="hu-HU" dirty="0"/>
+          </a:p>
+        </p:txBody>
+      </p:sp>
+    </p:spTree>
+    <p:extLst>
+      <p:ext uri="{BB962C8B-B14F-4D97-AF65-F5344CB8AC3E}">
+        <p14:creationId xmlns:p14="http://schemas.microsoft.com/office/powerpoint/2010/main" val="3964632942"/>
+      </p:ext>
+    </p:extLst>
+  </p:cSld>
+  <p:clrMapOvr>
+    <a:masterClrMapping/>
+  </p:clrMapOvr>
+  <mc:AlternateContent xmlns:mc="http://schemas.openxmlformats.org/markup-compatibility/2006" xmlns:p14="http://schemas.microsoft.com/office/powerpoint/2010/main">
+    <mc:Choice Requires="p14">
+      <p:transition spd="med" p14:dur="700">
+        <p:push dir="u"/>
+      </p:transition>
+    </mc:Choice>
+    <mc:Fallback xmlns="">
+      <p:transition spd="med">
+        <p:push dir="u"/>
+      </p:transition>
+    </mc:Fallback>
+  </mc:AlternateContent>
+</p:sld>
+</file>
+
+<file path=ppt/slides/slide8.xml><?xml version="1.0" encoding="utf-8"?>
+<p:sld xmlns:a="http://schemas.openxmlformats.org/drawingml/2006/main" xmlns:r="http://schemas.openxmlformats.org/officeDocument/2006/relationships" xmlns:p="http://schemas.openxmlformats.org/presentationml/2006/main">
+  <p:cSld>
+    <p:spTree>
+      <p:nvGrpSpPr>
+        <p:cNvPr id="1" name=""/>
+        <p:cNvGrpSpPr/>
+        <p:nvPr/>
+      </p:nvGrpSpPr>
+      <p:grpSpPr>
+        <a:xfrm>
+          <a:off x="0" y="0"/>
+          <a:ext cx="0" cy="0"/>
+          <a:chOff x="0" y="0"/>
+          <a:chExt cx="0" cy="0"/>
+        </a:xfrm>
+      </p:grpSpPr>
+      <p:sp>
+        <p:nvSpPr>
+          <p:cNvPr id="2" name="Cím 1"/>
+          <p:cNvSpPr>
+            <a:spLocks noGrp="1"/>
+          </p:cNvSpPr>
+          <p:nvPr>
+            <p:ph type="title"/>
+          </p:nvPr>
+        </p:nvSpPr>
+        <p:spPr/>
+        <p:txBody>
+          <a:bodyPr/>
+          <a:lstStyle/>
+          <a:p>
+            <a:r>
               <a:rPr lang="hu-HU" dirty="0" smtClean="0"/>
               <a:t>Források</a:t>
             </a:r>
@@ -8742,7 +8827,7 @@
 </p:sld>
 </file>
 
-<file path=ppt/slides/slide8.xml><?xml version="1.0" encoding="utf-8"?>
+<file path=ppt/slides/slide9.xml><?xml version="1.0" encoding="utf-8"?>
 <p:sld xmlns:a="http://schemas.openxmlformats.org/drawingml/2006/main" xmlns:r="http://schemas.openxmlformats.org/officeDocument/2006/relationships" xmlns:p="http://schemas.openxmlformats.org/presentationml/2006/main">
   <p:cSld>
     <p:spTree>

--- a/Az Android.pptx
+++ b/Az Android.pptx
@@ -12,8 +12,9 @@
     <p:sldId id="260" r:id="rId6"/>
     <p:sldId id="261" r:id="rId7"/>
     <p:sldId id="264" r:id="rId8"/>
-    <p:sldId id="262" r:id="rId9"/>
-    <p:sldId id="263" r:id="rId10"/>
+    <p:sldId id="265" r:id="rId9"/>
+    <p:sldId id="262" r:id="rId10"/>
+    <p:sldId id="263" r:id="rId11"/>
   </p:sldIdLst>
   <p:sldSz cx="12192000" cy="6858000"/>
   <p:notesSz cx="6858000" cy="9144000"/>
@@ -306,7 +307,7 @@
           <a:p>
             <a:fld id="{3EFC9BCE-9225-4733-B841-96AACF0B58A0}" type="datetimeFigureOut">
               <a:rPr lang="hu-HU" smtClean="0"/>
-              <a:t>2022.09.21.</a:t>
+              <a:t>2022.09.22.</a:t>
             </a:fld>
             <a:endParaRPr lang="hu-HU"/>
           </a:p>
@@ -643,7 +644,7 @@
           <a:p>
             <a:fld id="{3EFC9BCE-9225-4733-B841-96AACF0B58A0}" type="datetimeFigureOut">
               <a:rPr lang="hu-HU" smtClean="0"/>
-              <a:t>2022.09.21.</a:t>
+              <a:t>2022.09.22.</a:t>
             </a:fld>
             <a:endParaRPr lang="hu-HU"/>
           </a:p>
@@ -849,7 +850,7 @@
           <a:p>
             <a:fld id="{3EFC9BCE-9225-4733-B841-96AACF0B58A0}" type="datetimeFigureOut">
               <a:rPr lang="hu-HU" smtClean="0"/>
-              <a:t>2022.09.21.</a:t>
+              <a:t>2022.09.22.</a:t>
             </a:fld>
             <a:endParaRPr lang="hu-HU"/>
           </a:p>
@@ -1134,7 +1135,7 @@
           <a:p>
             <a:fld id="{3EFC9BCE-9225-4733-B841-96AACF0B58A0}" type="datetimeFigureOut">
               <a:rPr lang="hu-HU" smtClean="0"/>
-              <a:t>2022.09.21.</a:t>
+              <a:t>2022.09.22.</a:t>
             </a:fld>
             <a:endParaRPr lang="hu-HU"/>
           </a:p>
@@ -1487,7 +1488,7 @@
           <a:p>
             <a:fld id="{3EFC9BCE-9225-4733-B841-96AACF0B58A0}" type="datetimeFigureOut">
               <a:rPr lang="hu-HU" smtClean="0"/>
-              <a:t>2022.09.21.</a:t>
+              <a:t>2022.09.22.</a:t>
             </a:fld>
             <a:endParaRPr lang="hu-HU"/>
           </a:p>
@@ -2122,7 +2123,7 @@
           <a:p>
             <a:fld id="{3EFC9BCE-9225-4733-B841-96AACF0B58A0}" type="datetimeFigureOut">
               <a:rPr lang="hu-HU" smtClean="0"/>
-              <a:t>2022.09.21.</a:t>
+              <a:t>2022.09.22.</a:t>
             </a:fld>
             <a:endParaRPr lang="hu-HU"/>
           </a:p>
@@ -2994,7 +2995,7 @@
           <a:p>
             <a:fld id="{3EFC9BCE-9225-4733-B841-96AACF0B58A0}" type="datetimeFigureOut">
               <a:rPr lang="hu-HU" smtClean="0"/>
-              <a:t>2022.09.21.</a:t>
+              <a:t>2022.09.22.</a:t>
             </a:fld>
             <a:endParaRPr lang="hu-HU"/>
           </a:p>
@@ -3176,7 +3177,7 @@
           <a:p>
             <a:fld id="{3EFC9BCE-9225-4733-B841-96AACF0B58A0}" type="datetimeFigureOut">
               <a:rPr lang="hu-HU" smtClean="0"/>
-              <a:t>2022.09.21.</a:t>
+              <a:t>2022.09.22.</a:t>
             </a:fld>
             <a:endParaRPr lang="hu-HU"/>
           </a:p>
@@ -3368,7 +3369,7 @@
           <a:p>
             <a:fld id="{3EFC9BCE-9225-4733-B841-96AACF0B58A0}" type="datetimeFigureOut">
               <a:rPr lang="hu-HU" smtClean="0"/>
-              <a:t>2022.09.21.</a:t>
+              <a:t>2022.09.22.</a:t>
             </a:fld>
             <a:endParaRPr lang="hu-HU"/>
           </a:p>
@@ -3550,7 +3551,7 @@
           <a:p>
             <a:fld id="{3EFC9BCE-9225-4733-B841-96AACF0B58A0}" type="datetimeFigureOut">
               <a:rPr lang="hu-HU" smtClean="0"/>
-              <a:t>2022.09.21.</a:t>
+              <a:t>2022.09.22.</a:t>
             </a:fld>
             <a:endParaRPr lang="hu-HU"/>
           </a:p>
@@ -3809,7 +3810,7 @@
           <a:p>
             <a:fld id="{3EFC9BCE-9225-4733-B841-96AACF0B58A0}" type="datetimeFigureOut">
               <a:rPr lang="hu-HU" smtClean="0"/>
-              <a:t>2022.09.21.</a:t>
+              <a:t>2022.09.22.</a:t>
             </a:fld>
             <a:endParaRPr lang="hu-HU"/>
           </a:p>
@@ -4113,7 +4114,7 @@
           <a:p>
             <a:fld id="{3EFC9BCE-9225-4733-B841-96AACF0B58A0}" type="datetimeFigureOut">
               <a:rPr lang="hu-HU" smtClean="0"/>
-              <a:t>2022.09.21.</a:t>
+              <a:t>2022.09.22.</a:t>
             </a:fld>
             <a:endParaRPr lang="hu-HU"/>
           </a:p>
@@ -4569,7 +4570,7 @@
           <a:p>
             <a:fld id="{3EFC9BCE-9225-4733-B841-96AACF0B58A0}" type="datetimeFigureOut">
               <a:rPr lang="hu-HU" smtClean="0"/>
-              <a:t>2022.09.21.</a:t>
+              <a:t>2022.09.22.</a:t>
             </a:fld>
             <a:endParaRPr lang="hu-HU"/>
           </a:p>
@@ -4699,7 +4700,7 @@
           <a:p>
             <a:fld id="{3EFC9BCE-9225-4733-B841-96AACF0B58A0}" type="datetimeFigureOut">
               <a:rPr lang="hu-HU" smtClean="0"/>
-              <a:t>2022.09.21.</a:t>
+              <a:t>2022.09.22.</a:t>
             </a:fld>
             <a:endParaRPr lang="hu-HU"/>
           </a:p>
@@ -4806,7 +4807,7 @@
           <a:p>
             <a:fld id="{3EFC9BCE-9225-4733-B841-96AACF0B58A0}" type="datetimeFigureOut">
               <a:rPr lang="hu-HU" smtClean="0"/>
-              <a:t>2022.09.21.</a:t>
+              <a:t>2022.09.22.</a:t>
             </a:fld>
             <a:endParaRPr lang="hu-HU"/>
           </a:p>
@@ -5097,7 +5098,7 @@
           <a:p>
             <a:fld id="{3EFC9BCE-9225-4733-B841-96AACF0B58A0}" type="datetimeFigureOut">
               <a:rPr lang="hu-HU" smtClean="0"/>
-              <a:t>2022.09.21.</a:t>
+              <a:t>2022.09.22.</a:t>
             </a:fld>
             <a:endParaRPr lang="hu-HU"/>
           </a:p>
@@ -5384,7 +5385,7 @@
           <a:p>
             <a:fld id="{3EFC9BCE-9225-4733-B841-96AACF0B58A0}" type="datetimeFigureOut">
               <a:rPr lang="hu-HU" smtClean="0"/>
-              <a:t>2022.09.21.</a:t>
+              <a:t>2022.09.22.</a:t>
             </a:fld>
             <a:endParaRPr lang="hu-HU"/>
           </a:p>
@@ -5825,7 +5826,7 @@
           <a:p>
             <a:fld id="{3EFC9BCE-9225-4733-B841-96AACF0B58A0}" type="datetimeFigureOut">
               <a:rPr lang="hu-HU" smtClean="0"/>
-              <a:t>2022.09.21.</a:t>
+              <a:t>2022.09.22.</a:t>
             </a:fld>
             <a:endParaRPr lang="hu-HU"/>
           </a:p>
@@ -7514,6 +7515,113 @@
 </p:sld>
 </file>
 
+<file path=ppt/slides/slide10.xml><?xml version="1.0" encoding="utf-8"?>
+<p:sld xmlns:a="http://schemas.openxmlformats.org/drawingml/2006/main" xmlns:r="http://schemas.openxmlformats.org/officeDocument/2006/relationships" xmlns:p="http://schemas.openxmlformats.org/presentationml/2006/main">
+  <p:cSld>
+    <p:spTree>
+      <p:nvGrpSpPr>
+        <p:cNvPr id="1" name=""/>
+        <p:cNvGrpSpPr/>
+        <p:nvPr/>
+      </p:nvGrpSpPr>
+      <p:grpSpPr>
+        <a:xfrm>
+          <a:off x="0" y="0"/>
+          <a:ext cx="0" cy="0"/>
+          <a:chOff x="0" y="0"/>
+          <a:chExt cx="0" cy="0"/>
+        </a:xfrm>
+      </p:grpSpPr>
+      <p:sp>
+        <p:nvSpPr>
+          <p:cNvPr id="6" name="Cím 5"/>
+          <p:cNvSpPr>
+            <a:spLocks noGrp="1"/>
+          </p:cNvSpPr>
+          <p:nvPr>
+            <p:ph type="title"/>
+          </p:nvPr>
+        </p:nvSpPr>
+        <p:spPr>
+          <a:xfrm>
+            <a:off x="1154955" y="-856827"/>
+            <a:ext cx="10232372" cy="1915647"/>
+          </a:xfrm>
+        </p:spPr>
+        <p:txBody>
+          <a:bodyPr/>
+          <a:lstStyle/>
+          <a:p>
+            <a:r>
+              <a:rPr lang="hu-HU" sz="7200" dirty="0" smtClean="0"/>
+              <a:t>Köszönöm a figyelmet!</a:t>
+            </a:r>
+            <a:endParaRPr lang="hu-HU" sz="7200" dirty="0"/>
+          </a:p>
+        </p:txBody>
+      </p:sp>
+      <p:pic>
+        <p:nvPicPr>
+          <p:cNvPr id="8" name="Kép 7"/>
+          <p:cNvPicPr>
+            <a:picLocks noChangeAspect="1"/>
+          </p:cNvPicPr>
+          <p:nvPr/>
+        </p:nvPicPr>
+        <p:blipFill>
+          <a:blip r:embed="rId2" cstate="print">
+            <a:extLst>
+              <a:ext uri="{28A0092B-C50C-407E-A947-70E740481C1C}">
+                <a14:useLocalDpi xmlns:a14="http://schemas.microsoft.com/office/drawing/2010/main" val="0"/>
+              </a:ext>
+            </a:extLst>
+          </a:blip>
+          <a:stretch>
+            <a:fillRect/>
+          </a:stretch>
+        </p:blipFill>
+        <p:spPr>
+          <a:xfrm>
+            <a:off x="4067555" y="1571243"/>
+            <a:ext cx="3686557" cy="4896508"/>
+          </a:xfrm>
+          <a:prstGeom prst="rect">
+            <a:avLst/>
+          </a:prstGeom>
+        </p:spPr>
+      </p:pic>
+    </p:spTree>
+    <p:extLst>
+      <p:ext uri="{BB962C8B-B14F-4D97-AF65-F5344CB8AC3E}">
+        <p14:creationId xmlns:p14="http://schemas.microsoft.com/office/powerpoint/2010/main" val="942135633"/>
+      </p:ext>
+    </p:extLst>
+  </p:cSld>
+  <p:clrMapOvr>
+    <a:masterClrMapping/>
+  </p:clrMapOvr>
+  <mc:AlternateContent xmlns:mc="http://schemas.openxmlformats.org/markup-compatibility/2006" xmlns:p14="http://schemas.microsoft.com/office/powerpoint/2010/main">
+    <mc:Choice Requires="p14">
+      <p:transition spd="med" p14:dur="700">
+        <p:push dir="u"/>
+      </p:transition>
+    </mc:Choice>
+    <mc:Fallback xmlns="">
+      <p:transition spd="med">
+        <p:push dir="u"/>
+      </p:transition>
+    </mc:Fallback>
+  </mc:AlternateContent>
+  <p:timing>
+    <p:tnLst>
+      <p:par>
+        <p:cTn id="1" dur="indefinite" restart="never" nodeType="tmRoot"/>
+      </p:par>
+    </p:tnLst>
+  </p:timing>
+</p:sld>
+</file>
+
 <file path=ppt/slides/slide2.xml><?xml version="1.0" encoding="utf-8"?>
 <p:sld xmlns:a="http://schemas.openxmlformats.org/drawingml/2006/main" xmlns:r="http://schemas.openxmlformats.org/officeDocument/2006/relationships" xmlns:p="http://schemas.openxmlformats.org/presentationml/2006/main">
   <p:cSld>
@@ -8609,32 +8717,43 @@
           <a:lstStyle/>
           <a:p>
             <a:r>
-              <a:rPr lang="hu-HU" smtClean="0"/>
+              <a:rPr lang="hu-HU" dirty="0" smtClean="0"/>
               <a:t>Statisztikák</a:t>
             </a:r>
-            <a:endParaRPr lang="hu-HU"/>
-          </a:p>
-        </p:txBody>
-      </p:sp>
-      <p:sp>
-        <p:nvSpPr>
-          <p:cNvPr id="3" name="Tartalom helye 2"/>
-          <p:cNvSpPr>
-            <a:spLocks noGrp="1"/>
-          </p:cNvSpPr>
-          <p:nvPr>
-            <p:ph idx="1"/>
-          </p:nvPr>
-        </p:nvSpPr>
-        <p:spPr/>
-        <p:txBody>
-          <a:bodyPr/>
-          <a:lstStyle/>
-          <a:p>
             <a:endParaRPr lang="hu-HU" dirty="0"/>
           </a:p>
         </p:txBody>
       </p:sp>
+      <p:pic>
+        <p:nvPicPr>
+          <p:cNvPr id="9" name="Kép 8"/>
+          <p:cNvPicPr>
+            <a:picLocks noChangeAspect="1"/>
+          </p:cNvPicPr>
+          <p:nvPr/>
+        </p:nvPicPr>
+        <p:blipFill>
+          <a:blip r:embed="rId2">
+            <a:extLst>
+              <a:ext uri="{28A0092B-C50C-407E-A947-70E740481C1C}">
+                <a14:useLocalDpi xmlns:a14="http://schemas.microsoft.com/office/drawing/2010/main" val="0"/>
+              </a:ext>
+            </a:extLst>
+          </a:blip>
+          <a:stretch>
+            <a:fillRect/>
+          </a:stretch>
+        </p:blipFill>
+        <p:spPr>
+          <a:xfrm>
+            <a:off x="1183994" y="1299189"/>
+            <a:ext cx="9404723" cy="5290157"/>
+          </a:xfrm>
+          <a:prstGeom prst="rect">
+            <a:avLst/>
+          </a:prstGeom>
+        </p:spPr>
+      </p:pic>
     </p:spTree>
     <p:extLst>
       <p:ext uri="{BB962C8B-B14F-4D97-AF65-F5344CB8AC3E}">
@@ -8657,6 +8776,135 @@
       </p:transition>
     </mc:Fallback>
   </mc:AlternateContent>
+  <p:timing>
+    <p:tnLst>
+      <p:par>
+        <p:cTn id="1" dur="indefinite" restart="never" nodeType="tmRoot">
+          <p:childTnLst>
+            <p:seq concurrent="1" nextAc="seek">
+              <p:cTn id="2" dur="indefinite" nodeType="mainSeq">
+                <p:childTnLst>
+                  <p:par>
+                    <p:cTn id="3" fill="hold">
+                      <p:stCondLst>
+                        <p:cond delay="indefinite"/>
+                      </p:stCondLst>
+                      <p:childTnLst>
+                        <p:par>
+                          <p:cTn id="4" fill="hold">
+                            <p:stCondLst>
+                              <p:cond delay="0"/>
+                            </p:stCondLst>
+                            <p:childTnLst>
+                              <p:par>
+                                <p:cTn id="5" presetID="42" presetClass="entr" presetSubtype="0" fill="hold" nodeType="clickEffect">
+                                  <p:stCondLst>
+                                    <p:cond delay="0"/>
+                                  </p:stCondLst>
+                                  <p:childTnLst>
+                                    <p:set>
+                                      <p:cBhvr>
+                                        <p:cTn id="6" dur="1" fill="hold">
+                                          <p:stCondLst>
+                                            <p:cond delay="0"/>
+                                          </p:stCondLst>
+                                        </p:cTn>
+                                        <p:tgtEl>
+                                          <p:spTgt spid="9"/>
+                                        </p:tgtEl>
+                                        <p:attrNameLst>
+                                          <p:attrName>style.visibility</p:attrName>
+                                        </p:attrNameLst>
+                                      </p:cBhvr>
+                                      <p:to>
+                                        <p:strVal val="visible"/>
+                                      </p:to>
+                                    </p:set>
+                                    <p:animEffect transition="in" filter="fade">
+                                      <p:cBhvr>
+                                        <p:cTn id="7" dur="1000"/>
+                                        <p:tgtEl>
+                                          <p:spTgt spid="9"/>
+                                        </p:tgtEl>
+                                      </p:cBhvr>
+                                    </p:animEffect>
+                                    <p:anim calcmode="lin" valueType="num">
+                                      <p:cBhvr>
+                                        <p:cTn id="8" dur="1000" fill="hold"/>
+                                        <p:tgtEl>
+                                          <p:spTgt spid="9"/>
+                                        </p:tgtEl>
+                                        <p:attrNameLst>
+                                          <p:attrName>ppt_x</p:attrName>
+                                        </p:attrNameLst>
+                                      </p:cBhvr>
+                                      <p:tavLst>
+                                        <p:tav tm="0">
+                                          <p:val>
+                                            <p:strVal val="#ppt_x"/>
+                                          </p:val>
+                                        </p:tav>
+                                        <p:tav tm="100000">
+                                          <p:val>
+                                            <p:strVal val="#ppt_x"/>
+                                          </p:val>
+                                        </p:tav>
+                                      </p:tavLst>
+                                    </p:anim>
+                                    <p:anim calcmode="lin" valueType="num">
+                                      <p:cBhvr>
+                                        <p:cTn id="9" dur="1000" fill="hold"/>
+                                        <p:tgtEl>
+                                          <p:spTgt spid="9"/>
+                                        </p:tgtEl>
+                                        <p:attrNameLst>
+                                          <p:attrName>ppt_y</p:attrName>
+                                        </p:attrNameLst>
+                                      </p:cBhvr>
+                                      <p:tavLst>
+                                        <p:tav tm="0">
+                                          <p:val>
+                                            <p:strVal val="#ppt_y+.1"/>
+                                          </p:val>
+                                        </p:tav>
+                                        <p:tav tm="100000">
+                                          <p:val>
+                                            <p:strVal val="#ppt_y"/>
+                                          </p:val>
+                                        </p:tav>
+                                      </p:tavLst>
+                                    </p:anim>
+                                  </p:childTnLst>
+                                </p:cTn>
+                              </p:par>
+                            </p:childTnLst>
+                          </p:cTn>
+                        </p:par>
+                      </p:childTnLst>
+                    </p:cTn>
+                  </p:par>
+                </p:childTnLst>
+              </p:cTn>
+              <p:prevCondLst>
+                <p:cond evt="onPrev" delay="0">
+                  <p:tgtEl>
+                    <p:sldTgt/>
+                  </p:tgtEl>
+                </p:cond>
+              </p:prevCondLst>
+              <p:nextCondLst>
+                <p:cond evt="onNext" delay="0">
+                  <p:tgtEl>
+                    <p:sldTgt/>
+                  </p:tgtEl>
+                </p:cond>
+              </p:nextCondLst>
+            </p:seq>
+          </p:childTnLst>
+        </p:cTn>
+      </p:par>
+    </p:tnLst>
+  </p:timing>
 </p:sld>
 </file>
 
@@ -8677,128 +8925,40 @@
           <a:chExt cx="0" cy="0"/>
         </a:xfrm>
       </p:grpSpPr>
-      <p:sp>
-        <p:nvSpPr>
-          <p:cNvPr id="2" name="Cím 1"/>
-          <p:cNvSpPr>
-            <a:spLocks noGrp="1"/>
-          </p:cNvSpPr>
-          <p:nvPr>
-            <p:ph type="title"/>
-          </p:nvPr>
-        </p:nvSpPr>
-        <p:spPr/>
-        <p:txBody>
-          <a:bodyPr/>
-          <a:lstStyle/>
-          <a:p>
-            <a:r>
-              <a:rPr lang="hu-HU" dirty="0" smtClean="0"/>
-              <a:t>Források</a:t>
-            </a:r>
-            <a:endParaRPr lang="hu-HU" dirty="0"/>
-          </a:p>
-        </p:txBody>
-      </p:sp>
-      <p:sp>
-        <p:nvSpPr>
-          <p:cNvPr id="3" name="Tartalom helye 2"/>
-          <p:cNvSpPr>
-            <a:spLocks noGrp="1"/>
-          </p:cNvSpPr>
-          <p:nvPr>
-            <p:ph idx="1"/>
-          </p:nvPr>
-        </p:nvSpPr>
-        <p:spPr/>
-        <p:txBody>
-          <a:bodyPr/>
-          <a:lstStyle/>
-          <a:p>
-            <a:r>
-              <a:rPr lang="hu-HU" dirty="0">
-                <a:hlinkClick r:id="rId2"/>
-              </a:rPr>
-              <a:t>https://</a:t>
-            </a:r>
-            <a:r>
-              <a:rPr lang="hu-HU" dirty="0" smtClean="0">
-                <a:hlinkClick r:id="rId2"/>
-              </a:rPr>
-              <a:t>bit.ly/3QXQN8I</a:t>
-            </a:r>
-            <a:r>
-              <a:rPr lang="hu-HU" dirty="0" smtClean="0"/>
-              <a:t> (</a:t>
-            </a:r>
-            <a:r>
-              <a:rPr lang="hu-HU" dirty="0" err="1" smtClean="0"/>
-              <a:t>Xiaomi</a:t>
-            </a:r>
-            <a:r>
-              <a:rPr lang="hu-HU" dirty="0" smtClean="0"/>
-              <a:t> logó)</a:t>
-            </a:r>
-          </a:p>
-          <a:p>
-            <a:r>
-              <a:rPr lang="hu-HU" dirty="0">
-                <a:hlinkClick r:id="rId3"/>
-              </a:rPr>
-              <a:t>https://</a:t>
-            </a:r>
-            <a:r>
-              <a:rPr lang="hu-HU" dirty="0" smtClean="0">
-                <a:hlinkClick r:id="rId3"/>
-              </a:rPr>
-              <a:t>bit.ly/3qPyqIz</a:t>
-            </a:r>
-            <a:r>
-              <a:rPr lang="hu-HU" dirty="0" smtClean="0"/>
-              <a:t> (</a:t>
-            </a:r>
-            <a:r>
-              <a:rPr lang="hu-HU" dirty="0"/>
-              <a:t>S</a:t>
-            </a:r>
-            <a:r>
-              <a:rPr lang="hu-HU" dirty="0" smtClean="0"/>
-              <a:t>amsung logó)</a:t>
-            </a:r>
-          </a:p>
-          <a:p>
-            <a:r>
-              <a:rPr lang="hu-HU" dirty="0">
-                <a:hlinkClick r:id="rId4"/>
-              </a:rPr>
-              <a:t>https://</a:t>
-            </a:r>
-            <a:r>
-              <a:rPr lang="hu-HU" dirty="0" smtClean="0">
-                <a:hlinkClick r:id="rId4"/>
-              </a:rPr>
-              <a:t>bit.ly/3BvXiKi</a:t>
-            </a:r>
-            <a:r>
-              <a:rPr lang="hu-HU" dirty="0" smtClean="0"/>
-              <a:t> (</a:t>
-            </a:r>
-            <a:r>
-              <a:rPr lang="hu-HU" dirty="0" err="1" smtClean="0"/>
-              <a:t>Android</a:t>
-            </a:r>
-            <a:r>
-              <a:rPr lang="hu-HU" dirty="0" smtClean="0"/>
-              <a:t> logó)</a:t>
-            </a:r>
-            <a:endParaRPr lang="hu-HU" dirty="0"/>
-          </a:p>
-        </p:txBody>
-      </p:sp>
+      <p:pic>
+        <p:nvPicPr>
+          <p:cNvPr id="6" name="Kép 5"/>
+          <p:cNvPicPr>
+            <a:picLocks noChangeAspect="1"/>
+          </p:cNvPicPr>
+          <p:nvPr/>
+        </p:nvPicPr>
+        <p:blipFill>
+          <a:blip r:embed="rId2">
+            <a:extLst>
+              <a:ext uri="{28A0092B-C50C-407E-A947-70E740481C1C}">
+                <a14:useLocalDpi xmlns:a14="http://schemas.microsoft.com/office/drawing/2010/main" val="0"/>
+              </a:ext>
+            </a:extLst>
+          </a:blip>
+          <a:stretch>
+            <a:fillRect/>
+          </a:stretch>
+        </p:blipFill>
+        <p:spPr>
+          <a:xfrm>
+            <a:off x="1248540" y="806824"/>
+            <a:ext cx="9404722" cy="5459792"/>
+          </a:xfrm>
+          <a:prstGeom prst="rect">
+            <a:avLst/>
+          </a:prstGeom>
+        </p:spPr>
+      </p:pic>
     </p:spTree>
     <p:extLst>
       <p:ext uri="{BB962C8B-B14F-4D97-AF65-F5344CB8AC3E}">
-        <p14:creationId xmlns:p14="http://schemas.microsoft.com/office/powerpoint/2010/main" val="3981594826"/>
+        <p14:creationId xmlns:p14="http://schemas.microsoft.com/office/powerpoint/2010/main" val="2887424374"/>
       </p:ext>
     </p:extLst>
   </p:cSld>
@@ -8820,7 +8980,129 @@
   <p:timing>
     <p:tnLst>
       <p:par>
-        <p:cTn id="1" dur="indefinite" restart="never" nodeType="tmRoot"/>
+        <p:cTn id="1" dur="indefinite" restart="never" nodeType="tmRoot">
+          <p:childTnLst>
+            <p:seq concurrent="1" nextAc="seek">
+              <p:cTn id="2" dur="indefinite" nodeType="mainSeq">
+                <p:childTnLst>
+                  <p:par>
+                    <p:cTn id="3" fill="hold">
+                      <p:stCondLst>
+                        <p:cond delay="indefinite"/>
+                      </p:stCondLst>
+                      <p:childTnLst>
+                        <p:par>
+                          <p:cTn id="4" fill="hold">
+                            <p:stCondLst>
+                              <p:cond delay="0"/>
+                            </p:stCondLst>
+                            <p:childTnLst>
+                              <p:par>
+                                <p:cTn id="5" presetID="42" presetClass="entr" presetSubtype="0" fill="hold" nodeType="clickEffect">
+                                  <p:stCondLst>
+                                    <p:cond delay="0"/>
+                                  </p:stCondLst>
+                                  <p:childTnLst>
+                                    <p:set>
+                                      <p:cBhvr>
+                                        <p:cTn id="6" dur="1" fill="hold">
+                                          <p:stCondLst>
+                                            <p:cond delay="0"/>
+                                          </p:stCondLst>
+                                        </p:cTn>
+                                        <p:tgtEl>
+                                          <p:spTgt spid="6"/>
+                                        </p:tgtEl>
+                                        <p:attrNameLst>
+                                          <p:attrName>style.visibility</p:attrName>
+                                        </p:attrNameLst>
+                                      </p:cBhvr>
+                                      <p:to>
+                                        <p:strVal val="visible"/>
+                                      </p:to>
+                                    </p:set>
+                                    <p:animEffect transition="in" filter="fade">
+                                      <p:cBhvr>
+                                        <p:cTn id="7" dur="1000"/>
+                                        <p:tgtEl>
+                                          <p:spTgt spid="6"/>
+                                        </p:tgtEl>
+                                      </p:cBhvr>
+                                    </p:animEffect>
+                                    <p:anim calcmode="lin" valueType="num">
+                                      <p:cBhvr>
+                                        <p:cTn id="8" dur="1000" fill="hold"/>
+                                        <p:tgtEl>
+                                          <p:spTgt spid="6"/>
+                                        </p:tgtEl>
+                                        <p:attrNameLst>
+                                          <p:attrName>ppt_x</p:attrName>
+                                        </p:attrNameLst>
+                                      </p:cBhvr>
+                                      <p:tavLst>
+                                        <p:tav tm="0">
+                                          <p:val>
+                                            <p:strVal val="#ppt_x"/>
+                                          </p:val>
+                                        </p:tav>
+                                        <p:tav tm="100000">
+                                          <p:val>
+                                            <p:strVal val="#ppt_x"/>
+                                          </p:val>
+                                        </p:tav>
+                                      </p:tavLst>
+                                    </p:anim>
+                                    <p:anim calcmode="lin" valueType="num">
+                                      <p:cBhvr>
+                                        <p:cTn id="9" dur="1000" fill="hold"/>
+                                        <p:tgtEl>
+                                          <p:spTgt spid="6"/>
+                                        </p:tgtEl>
+                                        <p:attrNameLst>
+                                          <p:attrName>ppt_y</p:attrName>
+                                        </p:attrNameLst>
+                                      </p:cBhvr>
+                                      <p:tavLst>
+                                        <p:tav tm="0">
+                                          <p:val>
+                                            <p:strVal val="#ppt_y+.1"/>
+                                          </p:val>
+                                        </p:tav>
+                                        <p:tav tm="100000">
+                                          <p:val>
+                                            <p:strVal val="#ppt_y"/>
+                                          </p:val>
+                                        </p:tav>
+                                      </p:tavLst>
+                                    </p:anim>
+                                  </p:childTnLst>
+                                </p:cTn>
+                              </p:par>
+                            </p:childTnLst>
+                          </p:cTn>
+                        </p:par>
+                      </p:childTnLst>
+                    </p:cTn>
+                  </p:par>
+                </p:childTnLst>
+              </p:cTn>
+              <p:prevCondLst>
+                <p:cond evt="onPrev" delay="0">
+                  <p:tgtEl>
+                    <p:sldTgt/>
+                  </p:tgtEl>
+                </p:cond>
+              </p:prevCondLst>
+              <p:nextCondLst>
+                <p:cond evt="onNext" delay="0">
+                  <p:tgtEl>
+                    <p:sldTgt/>
+                  </p:tgtEl>
+                </p:cond>
+              </p:nextCondLst>
+            </p:seq>
+          </p:childTnLst>
+        </p:cTn>
       </p:par>
     </p:tnLst>
   </p:timing>
@@ -8846,7 +9128,7 @@
       </p:grpSpPr>
       <p:sp>
         <p:nvSpPr>
-          <p:cNvPr id="6" name="Cím 5"/>
+          <p:cNvPr id="2" name="Cím 1"/>
           <p:cNvSpPr>
             <a:spLocks noGrp="1"/>
           </p:cNvSpPr>
@@ -8854,58 +9136,150 @@
             <p:ph type="title"/>
           </p:nvPr>
         </p:nvSpPr>
-        <p:spPr>
-          <a:xfrm>
-            <a:off x="1154955" y="-856827"/>
-            <a:ext cx="10232372" cy="1915647"/>
-          </a:xfrm>
-        </p:spPr>
+        <p:spPr/>
         <p:txBody>
           <a:bodyPr/>
           <a:lstStyle/>
           <a:p>
             <a:r>
-              <a:rPr lang="hu-HU" sz="7200" dirty="0" smtClean="0"/>
-              <a:t>Köszönöm a figyelmet!</a:t>
-            </a:r>
-            <a:endParaRPr lang="hu-HU" sz="7200" dirty="0"/>
-          </a:p>
-        </p:txBody>
-      </p:sp>
-      <p:pic>
-        <p:nvPicPr>
-          <p:cNvPr id="8" name="Kép 7"/>
-          <p:cNvPicPr>
-            <a:picLocks noChangeAspect="1"/>
-          </p:cNvPicPr>
-          <p:nvPr/>
-        </p:nvPicPr>
-        <p:blipFill>
-          <a:blip r:embed="rId2" cstate="print">
-            <a:extLst>
-              <a:ext uri="{28A0092B-C50C-407E-A947-70E740481C1C}">
-                <a14:useLocalDpi xmlns:a14="http://schemas.microsoft.com/office/drawing/2010/main" val="0"/>
-              </a:ext>
-            </a:extLst>
-          </a:blip>
-          <a:stretch>
-            <a:fillRect/>
-          </a:stretch>
-        </p:blipFill>
-        <p:spPr>
-          <a:xfrm>
-            <a:off x="4067555" y="1571243"/>
-            <a:ext cx="3686557" cy="4896508"/>
-          </a:xfrm>
-          <a:prstGeom prst="rect">
-            <a:avLst/>
-          </a:prstGeom>
-        </p:spPr>
-      </p:pic>
+              <a:rPr lang="hu-HU" dirty="0" smtClean="0"/>
+              <a:t>Források</a:t>
+            </a:r>
+            <a:endParaRPr lang="hu-HU" dirty="0"/>
+          </a:p>
+        </p:txBody>
+      </p:sp>
+      <p:sp>
+        <p:nvSpPr>
+          <p:cNvPr id="3" name="Tartalom helye 2"/>
+          <p:cNvSpPr>
+            <a:spLocks noGrp="1"/>
+          </p:cNvSpPr>
+          <p:nvPr>
+            <p:ph idx="1"/>
+          </p:nvPr>
+        </p:nvSpPr>
+        <p:spPr/>
+        <p:txBody>
+          <a:bodyPr/>
+          <a:lstStyle/>
+          <a:p>
+            <a:r>
+              <a:rPr lang="hu-HU" dirty="0">
+                <a:hlinkClick r:id="rId2"/>
+              </a:rPr>
+              <a:t>https://</a:t>
+            </a:r>
+            <a:r>
+              <a:rPr lang="hu-HU" dirty="0" smtClean="0">
+                <a:hlinkClick r:id="rId2"/>
+              </a:rPr>
+              <a:t>bit.ly/3QXQN8I</a:t>
+            </a:r>
+            <a:r>
+              <a:rPr lang="hu-HU" dirty="0" smtClean="0"/>
+              <a:t> (</a:t>
+            </a:r>
+            <a:r>
+              <a:rPr lang="hu-HU" dirty="0" err="1" smtClean="0"/>
+              <a:t>Xiaomi</a:t>
+            </a:r>
+            <a:r>
+              <a:rPr lang="hu-HU" dirty="0" smtClean="0"/>
+              <a:t> logó)</a:t>
+            </a:r>
+          </a:p>
+          <a:p>
+            <a:r>
+              <a:rPr lang="hu-HU" dirty="0">
+                <a:hlinkClick r:id="rId3"/>
+              </a:rPr>
+              <a:t>https://</a:t>
+            </a:r>
+            <a:r>
+              <a:rPr lang="hu-HU" dirty="0" smtClean="0">
+                <a:hlinkClick r:id="rId3"/>
+              </a:rPr>
+              <a:t>bit.ly/3qPyqIz</a:t>
+            </a:r>
+            <a:r>
+              <a:rPr lang="hu-HU" dirty="0" smtClean="0"/>
+              <a:t> (</a:t>
+            </a:r>
+            <a:r>
+              <a:rPr lang="hu-HU" dirty="0"/>
+              <a:t>S</a:t>
+            </a:r>
+            <a:r>
+              <a:rPr lang="hu-HU" dirty="0" smtClean="0"/>
+              <a:t>amsung logó)</a:t>
+            </a:r>
+          </a:p>
+          <a:p>
+            <a:r>
+              <a:rPr lang="hu-HU" dirty="0">
+                <a:hlinkClick r:id="rId4"/>
+              </a:rPr>
+              <a:t>https://</a:t>
+            </a:r>
+            <a:r>
+              <a:rPr lang="hu-HU" dirty="0" smtClean="0">
+                <a:hlinkClick r:id="rId4"/>
+              </a:rPr>
+              <a:t>bit.ly/3BvXiKi</a:t>
+            </a:r>
+            <a:r>
+              <a:rPr lang="hu-HU" dirty="0" smtClean="0"/>
+              <a:t> (</a:t>
+            </a:r>
+            <a:r>
+              <a:rPr lang="hu-HU" dirty="0" err="1" smtClean="0"/>
+              <a:t>Android</a:t>
+            </a:r>
+            <a:r>
+              <a:rPr lang="hu-HU" dirty="0" smtClean="0"/>
+              <a:t> logó</a:t>
+            </a:r>
+            <a:r>
+              <a:rPr lang="hu-HU" dirty="0" smtClean="0"/>
+              <a:t>)</a:t>
+            </a:r>
+          </a:p>
+          <a:p>
+            <a:r>
+              <a:rPr lang="hu-HU" dirty="0"/>
+              <a:t>Statisztikák: </a:t>
+            </a:r>
+            <a:r>
+              <a:rPr lang="hu-HU" dirty="0" smtClean="0"/>
+              <a:t> </a:t>
+            </a:r>
+            <a:r>
+              <a:rPr lang="hu-HU" dirty="0" smtClean="0">
+                <a:hlinkClick r:id="rId5"/>
+              </a:rPr>
+              <a:t>https</a:t>
+            </a:r>
+            <a:r>
+              <a:rPr lang="hu-HU" dirty="0">
+                <a:hlinkClick r:id="rId5"/>
+              </a:rPr>
+              <a:t>://</a:t>
+            </a:r>
+            <a:r>
+              <a:rPr lang="hu-HU" dirty="0" smtClean="0">
+                <a:hlinkClick r:id="rId5"/>
+              </a:rPr>
+              <a:t>bit.ly/3dG8EDA</a:t>
+            </a:r>
+            <a:endParaRPr lang="hu-HU" dirty="0" smtClean="0"/>
+          </a:p>
+        </p:txBody>
+      </p:sp>
     </p:spTree>
     <p:extLst>
       <p:ext uri="{BB962C8B-B14F-4D97-AF65-F5344CB8AC3E}">
-        <p14:creationId xmlns:p14="http://schemas.microsoft.com/office/powerpoint/2010/main" val="942135633"/>
+        <p14:creationId xmlns:p14="http://schemas.microsoft.com/office/powerpoint/2010/main" val="3981594826"/>
       </p:ext>
     </p:extLst>
   </p:cSld>

--- a/Az Android.pptx
+++ b/Az Android.pptx
@@ -7691,25 +7691,30 @@
           <a:p>
             <a:r>
               <a:rPr lang="hu-HU" dirty="0"/>
-              <a:t>A fejlesztők </a:t>
+              <a:t> </a:t>
             </a:r>
             <a:r>
               <a:rPr lang="hu-HU" dirty="0" smtClean="0"/>
-              <a:t>Java</a:t>
-            </a:r>
-            <a:r>
-              <a:rPr lang="hu-HU" dirty="0"/>
-              <a:t> nyelven írhatnak </a:t>
-            </a:r>
+              <a:t>Java, JS, Python, C</a:t>
+            </a:r>
+            <a:r>
+              <a:rPr lang="hu-HU" smtClean="0"/>
+              <a:t>++, XML…</a:t>
+            </a:r>
+            <a:r>
+              <a:rPr lang="hu-HU"/>
+              <a:t> </a:t>
+            </a:r>
+            <a:endParaRPr lang="hu-HU" smtClean="0"/>
+          </a:p>
+          <a:p>
             <a:r>
               <a:rPr lang="hu-HU" dirty="0" smtClean="0"/>
-              <a:t>rá</a:t>
-            </a:r>
-          </a:p>
-          <a:p>
+              <a:t>Google </a:t>
+            </a:r>
             <a:r>
               <a:rPr lang="hu-HU" dirty="0" smtClean="0"/>
-              <a:t>Google alkalmazások alapok</a:t>
+              <a:t>alkalmazások alapok</a:t>
             </a:r>
           </a:p>
           <a:p>
